--- a/figure/figure5.pptx
+++ b/figure/figure5.pptx
@@ -2275,8 +2275,8 @@
           </p:nvSpPr>
           <p:spPr>
             <a:xfrm>
-              <a:off x="0" y="0"/>
-              <a:ext cx="9143999" cy="6858000"/>
+              <a:off x="1081003" y="0"/>
+              <a:ext cx="6981992" cy="6858000"/>
             </a:xfrm>
             <a:prstGeom prst="rect">
               <a:avLst/>
@@ -2310,8 +2310,8 @@
           </p:nvSpPr>
           <p:spPr>
             <a:xfrm>
-              <a:off x="571818" y="69589"/>
-              <a:ext cx="8502592" cy="6340585"/>
+              <a:off x="1652822" y="69589"/>
+              <a:ext cx="6340585" cy="6340585"/>
             </a:xfrm>
             <a:prstGeom prst="rect">
               <a:avLst/>
@@ -2336,21 +2336,21 @@
           </p:nvSpPr>
           <p:spPr>
             <a:xfrm>
-              <a:off x="571818" y="5617600"/>
-              <a:ext cx="8502592" cy="0"/>
-            </a:xfrm>
-            <a:custGeom>
-              <a:avLst/>
-              <a:pathLst>
-                <a:path w="8502592" h="0">
-                  <a:moveTo>
-                    <a:pt x="0" y="0"/>
-                  </a:moveTo>
-                  <a:lnTo>
-                    <a:pt x="8502592" y="0"/>
-                  </a:lnTo>
-                  <a:lnTo>
-                    <a:pt x="8502592" y="0"/>
+              <a:off x="1652822" y="5617600"/>
+              <a:ext cx="6340585" cy="0"/>
+            </a:xfrm>
+            <a:custGeom>
+              <a:avLst/>
+              <a:pathLst>
+                <a:path w="6340585" h="0">
+                  <a:moveTo>
+                    <a:pt x="0" y="0"/>
+                  </a:moveTo>
+                  <a:lnTo>
+                    <a:pt x="6340585" y="0"/>
+                  </a:lnTo>
+                  <a:lnTo>
+                    <a:pt x="6340585" y="0"/>
                   </a:lnTo>
                 </a:path>
               </a:pathLst>
@@ -2379,21 +2379,21 @@
           </p:nvSpPr>
           <p:spPr>
             <a:xfrm>
-              <a:off x="571818" y="4032454"/>
-              <a:ext cx="8502592" cy="0"/>
-            </a:xfrm>
-            <a:custGeom>
-              <a:avLst/>
-              <a:pathLst>
-                <a:path w="8502592" h="0">
-                  <a:moveTo>
-                    <a:pt x="0" y="0"/>
-                  </a:moveTo>
-                  <a:lnTo>
-                    <a:pt x="8502592" y="0"/>
-                  </a:lnTo>
-                  <a:lnTo>
-                    <a:pt x="8502592" y="0"/>
+              <a:off x="1652822" y="4032454"/>
+              <a:ext cx="6340585" cy="0"/>
+            </a:xfrm>
+            <a:custGeom>
+              <a:avLst/>
+              <a:pathLst>
+                <a:path w="6340585" h="0">
+                  <a:moveTo>
+                    <a:pt x="0" y="0"/>
+                  </a:moveTo>
+                  <a:lnTo>
+                    <a:pt x="6340585" y="0"/>
+                  </a:lnTo>
+                  <a:lnTo>
+                    <a:pt x="6340585" y="0"/>
                   </a:lnTo>
                 </a:path>
               </a:pathLst>
@@ -2422,21 +2422,21 @@
           </p:nvSpPr>
           <p:spPr>
             <a:xfrm>
-              <a:off x="571818" y="2447308"/>
-              <a:ext cx="8502592" cy="0"/>
-            </a:xfrm>
-            <a:custGeom>
-              <a:avLst/>
-              <a:pathLst>
-                <a:path w="8502592" h="0">
-                  <a:moveTo>
-                    <a:pt x="0" y="0"/>
-                  </a:moveTo>
-                  <a:lnTo>
-                    <a:pt x="8502592" y="0"/>
-                  </a:lnTo>
-                  <a:lnTo>
-                    <a:pt x="8502592" y="0"/>
+              <a:off x="1652822" y="2447308"/>
+              <a:ext cx="6340585" cy="0"/>
+            </a:xfrm>
+            <a:custGeom>
+              <a:avLst/>
+              <a:pathLst>
+                <a:path w="6340585" h="0">
+                  <a:moveTo>
+                    <a:pt x="0" y="0"/>
+                  </a:moveTo>
+                  <a:lnTo>
+                    <a:pt x="6340585" y="0"/>
+                  </a:lnTo>
+                  <a:lnTo>
+                    <a:pt x="6340585" y="0"/>
                   </a:lnTo>
                 </a:path>
               </a:pathLst>
@@ -2465,21 +2465,21 @@
           </p:nvSpPr>
           <p:spPr>
             <a:xfrm>
-              <a:off x="571818" y="862162"/>
-              <a:ext cx="8502592" cy="0"/>
-            </a:xfrm>
-            <a:custGeom>
-              <a:avLst/>
-              <a:pathLst>
-                <a:path w="8502592" h="0">
-                  <a:moveTo>
-                    <a:pt x="0" y="0"/>
-                  </a:moveTo>
-                  <a:lnTo>
-                    <a:pt x="8502592" y="0"/>
-                  </a:lnTo>
-                  <a:lnTo>
-                    <a:pt x="8502592" y="0"/>
+              <a:off x="1652822" y="862162"/>
+              <a:ext cx="6340585" cy="0"/>
+            </a:xfrm>
+            <a:custGeom>
+              <a:avLst/>
+              <a:pathLst>
+                <a:path w="6340585" h="0">
+                  <a:moveTo>
+                    <a:pt x="0" y="0"/>
+                  </a:moveTo>
+                  <a:lnTo>
+                    <a:pt x="6340585" y="0"/>
+                  </a:lnTo>
+                  <a:lnTo>
+                    <a:pt x="6340585" y="0"/>
                   </a:lnTo>
                 </a:path>
               </a:pathLst>
@@ -2508,7 +2508,7 @@
           </p:nvSpPr>
           <p:spPr>
             <a:xfrm>
-              <a:off x="1634642" y="69589"/>
+              <a:off x="2445395" y="69589"/>
               <a:ext cx="0" cy="6340585"/>
             </a:xfrm>
             <a:custGeom>
@@ -2551,7 +2551,7 @@
           </p:nvSpPr>
           <p:spPr>
             <a:xfrm>
-              <a:off x="3760290" y="69589"/>
+              <a:off x="4030541" y="69589"/>
               <a:ext cx="0" cy="6340585"/>
             </a:xfrm>
             <a:custGeom>
@@ -2594,7 +2594,7 @@
           </p:nvSpPr>
           <p:spPr>
             <a:xfrm>
-              <a:off x="5885938" y="69589"/>
+              <a:off x="5615687" y="69589"/>
               <a:ext cx="0" cy="6340585"/>
             </a:xfrm>
             <a:custGeom>
@@ -2637,7 +2637,7 @@
           </p:nvSpPr>
           <p:spPr>
             <a:xfrm>
-              <a:off x="8011586" y="69589"/>
+              <a:off x="7200834" y="69589"/>
               <a:ext cx="0" cy="6340585"/>
             </a:xfrm>
             <a:custGeom>
@@ -2680,21 +2680,21 @@
           </p:nvSpPr>
           <p:spPr>
             <a:xfrm>
-              <a:off x="571818" y="6410174"/>
-              <a:ext cx="8502592" cy="0"/>
-            </a:xfrm>
-            <a:custGeom>
-              <a:avLst/>
-              <a:pathLst>
-                <a:path w="8502592" h="0">
-                  <a:moveTo>
-                    <a:pt x="0" y="0"/>
-                  </a:moveTo>
-                  <a:lnTo>
-                    <a:pt x="8502592" y="0"/>
-                  </a:lnTo>
-                  <a:lnTo>
-                    <a:pt x="8502592" y="0"/>
+              <a:off x="1652822" y="6410174"/>
+              <a:ext cx="6340585" cy="0"/>
+            </a:xfrm>
+            <a:custGeom>
+              <a:avLst/>
+              <a:pathLst>
+                <a:path w="6340585" h="0">
+                  <a:moveTo>
+                    <a:pt x="0" y="0"/>
+                  </a:moveTo>
+                  <a:lnTo>
+                    <a:pt x="6340585" y="0"/>
+                  </a:lnTo>
+                  <a:lnTo>
+                    <a:pt x="6340585" y="0"/>
                   </a:lnTo>
                 </a:path>
               </a:pathLst>
@@ -2723,21 +2723,21 @@
           </p:nvSpPr>
           <p:spPr>
             <a:xfrm>
-              <a:off x="571818" y="4825027"/>
-              <a:ext cx="8502592" cy="0"/>
-            </a:xfrm>
-            <a:custGeom>
-              <a:avLst/>
-              <a:pathLst>
-                <a:path w="8502592" h="0">
-                  <a:moveTo>
-                    <a:pt x="0" y="0"/>
-                  </a:moveTo>
-                  <a:lnTo>
-                    <a:pt x="8502592" y="0"/>
-                  </a:lnTo>
-                  <a:lnTo>
-                    <a:pt x="8502592" y="0"/>
+              <a:off x="1652822" y="4825027"/>
+              <a:ext cx="6340585" cy="0"/>
+            </a:xfrm>
+            <a:custGeom>
+              <a:avLst/>
+              <a:pathLst>
+                <a:path w="6340585" h="0">
+                  <a:moveTo>
+                    <a:pt x="0" y="0"/>
+                  </a:moveTo>
+                  <a:lnTo>
+                    <a:pt x="6340585" y="0"/>
+                  </a:lnTo>
+                  <a:lnTo>
+                    <a:pt x="6340585" y="0"/>
                   </a:lnTo>
                 </a:path>
               </a:pathLst>
@@ -2766,21 +2766,21 @@
           </p:nvSpPr>
           <p:spPr>
             <a:xfrm>
-              <a:off x="571818" y="3239881"/>
-              <a:ext cx="8502592" cy="0"/>
-            </a:xfrm>
-            <a:custGeom>
-              <a:avLst/>
-              <a:pathLst>
-                <a:path w="8502592" h="0">
-                  <a:moveTo>
-                    <a:pt x="0" y="0"/>
-                  </a:moveTo>
-                  <a:lnTo>
-                    <a:pt x="8502592" y="0"/>
-                  </a:lnTo>
-                  <a:lnTo>
-                    <a:pt x="8502592" y="0"/>
+              <a:off x="1652822" y="3239881"/>
+              <a:ext cx="6340585" cy="0"/>
+            </a:xfrm>
+            <a:custGeom>
+              <a:avLst/>
+              <a:pathLst>
+                <a:path w="6340585" h="0">
+                  <a:moveTo>
+                    <a:pt x="0" y="0"/>
+                  </a:moveTo>
+                  <a:lnTo>
+                    <a:pt x="6340585" y="0"/>
+                  </a:lnTo>
+                  <a:lnTo>
+                    <a:pt x="6340585" y="0"/>
                   </a:lnTo>
                 </a:path>
               </a:pathLst>
@@ -2809,21 +2809,21 @@
           </p:nvSpPr>
           <p:spPr>
             <a:xfrm>
-              <a:off x="571818" y="1654735"/>
-              <a:ext cx="8502592" cy="0"/>
-            </a:xfrm>
-            <a:custGeom>
-              <a:avLst/>
-              <a:pathLst>
-                <a:path w="8502592" h="0">
-                  <a:moveTo>
-                    <a:pt x="0" y="0"/>
-                  </a:moveTo>
-                  <a:lnTo>
-                    <a:pt x="8502592" y="0"/>
-                  </a:lnTo>
-                  <a:lnTo>
-                    <a:pt x="8502592" y="0"/>
+              <a:off x="1652822" y="1654735"/>
+              <a:ext cx="6340585" cy="0"/>
+            </a:xfrm>
+            <a:custGeom>
+              <a:avLst/>
+              <a:pathLst>
+                <a:path w="6340585" h="0">
+                  <a:moveTo>
+                    <a:pt x="0" y="0"/>
+                  </a:moveTo>
+                  <a:lnTo>
+                    <a:pt x="6340585" y="0"/>
+                  </a:lnTo>
+                  <a:lnTo>
+                    <a:pt x="6340585" y="0"/>
                   </a:lnTo>
                 </a:path>
               </a:pathLst>
@@ -2852,21 +2852,21 @@
           </p:nvSpPr>
           <p:spPr>
             <a:xfrm>
-              <a:off x="571818" y="69589"/>
-              <a:ext cx="8502592" cy="0"/>
-            </a:xfrm>
-            <a:custGeom>
-              <a:avLst/>
-              <a:pathLst>
-                <a:path w="8502592" h="0">
-                  <a:moveTo>
-                    <a:pt x="0" y="0"/>
-                  </a:moveTo>
-                  <a:lnTo>
-                    <a:pt x="8502592" y="0"/>
-                  </a:lnTo>
-                  <a:lnTo>
-                    <a:pt x="8502592" y="0"/>
+              <a:off x="1652822" y="69589"/>
+              <a:ext cx="6340585" cy="0"/>
+            </a:xfrm>
+            <a:custGeom>
+              <a:avLst/>
+              <a:pathLst>
+                <a:path w="6340585" h="0">
+                  <a:moveTo>
+                    <a:pt x="0" y="0"/>
+                  </a:moveTo>
+                  <a:lnTo>
+                    <a:pt x="6340585" y="0"/>
+                  </a:lnTo>
+                  <a:lnTo>
+                    <a:pt x="6340585" y="0"/>
                   </a:lnTo>
                 </a:path>
               </a:pathLst>
@@ -2895,7 +2895,7 @@
           </p:nvSpPr>
           <p:spPr>
             <a:xfrm>
-              <a:off x="571818" y="69589"/>
+              <a:off x="1652822" y="69589"/>
               <a:ext cx="0" cy="6340585"/>
             </a:xfrm>
             <a:custGeom>
@@ -2938,7 +2938,7 @@
           </p:nvSpPr>
           <p:spPr>
             <a:xfrm>
-              <a:off x="2697466" y="69589"/>
+              <a:off x="3237968" y="69589"/>
               <a:ext cx="0" cy="6340585"/>
             </a:xfrm>
             <a:custGeom>
@@ -3024,7 +3024,7 @@
           </p:nvSpPr>
           <p:spPr>
             <a:xfrm>
-              <a:off x="6948762" y="69589"/>
+              <a:off x="6408261" y="69589"/>
               <a:ext cx="0" cy="6340585"/>
             </a:xfrm>
             <a:custGeom>
@@ -3067,7 +3067,7 @@
           </p:nvSpPr>
           <p:spPr>
             <a:xfrm>
-              <a:off x="9074410" y="69589"/>
+              <a:off x="7993407" y="69589"/>
               <a:ext cx="0" cy="6340585"/>
             </a:xfrm>
             <a:custGeom>
@@ -3110,33 +3110,33 @@
           </p:nvSpPr>
           <p:spPr>
             <a:xfrm>
-              <a:off x="571818" y="69589"/>
-              <a:ext cx="8502592" cy="6340585"/>
-            </a:xfrm>
-            <a:custGeom>
-              <a:avLst/>
-              <a:pathLst>
-                <a:path w="8502592" h="6340585">
+              <a:off x="1652822" y="69589"/>
+              <a:ext cx="6340585" cy="6340585"/>
+            </a:xfrm>
+            <a:custGeom>
+              <a:avLst/>
+              <a:pathLst>
+                <a:path w="6340585" h="6340585">
                   <a:moveTo>
                     <a:pt x="0" y="6340585"/>
                   </a:moveTo>
                   <a:lnTo>
-                    <a:pt x="1961542" y="3891332"/>
-                  </a:lnTo>
-                  <a:lnTo>
-                    <a:pt x="4009356" y="1980329"/>
-                  </a:lnTo>
-                  <a:lnTo>
-                    <a:pt x="6187603" y="690251"/>
-                  </a:lnTo>
-                  <a:lnTo>
-                    <a:pt x="8502592" y="0"/>
-                  </a:lnTo>
-                  <a:lnTo>
-                    <a:pt x="8502592" y="0"/>
-                  </a:lnTo>
-                  <a:lnTo>
-                    <a:pt x="8502592" y="0"/>
+                    <a:pt x="1462768" y="3891332"/>
+                  </a:lnTo>
+                  <a:lnTo>
+                    <a:pt x="2989872" y="1980329"/>
+                  </a:lnTo>
+                  <a:lnTo>
+                    <a:pt x="4614242" y="690251"/>
+                  </a:lnTo>
+                  <a:lnTo>
+                    <a:pt x="6340585" y="0"/>
+                  </a:lnTo>
+                  <a:lnTo>
+                    <a:pt x="6340585" y="0"/>
+                  </a:lnTo>
+                  <a:lnTo>
+                    <a:pt x="6340585" y="0"/>
                   </a:lnTo>
                 </a:path>
               </a:pathLst>
@@ -3165,33 +3165,33 @@
           </p:nvSpPr>
           <p:spPr>
             <a:xfrm>
-              <a:off x="571818" y="69589"/>
-              <a:ext cx="8502592" cy="6340585"/>
-            </a:xfrm>
-            <a:custGeom>
-              <a:avLst/>
-              <a:pathLst>
-                <a:path w="8502592" h="6340585">
+              <a:off x="1652822" y="69589"/>
+              <a:ext cx="6340585" cy="6340585"/>
+            </a:xfrm>
+            <a:custGeom>
+              <a:avLst/>
+              <a:pathLst>
+                <a:path w="6340585" h="6340585">
                   <a:moveTo>
                     <a:pt x="0" y="6340585"/>
                   </a:moveTo>
                   <a:lnTo>
-                    <a:pt x="1712505" y="3410782"/>
-                  </a:lnTo>
-                  <a:lnTo>
-                    <a:pt x="3826403" y="1436481"/>
-                  </a:lnTo>
-                  <a:lnTo>
-                    <a:pt x="6182241" y="345341"/>
-                  </a:lnTo>
-                  <a:lnTo>
-                    <a:pt x="8502592" y="0"/>
-                  </a:lnTo>
-                  <a:lnTo>
-                    <a:pt x="8502592" y="0"/>
-                  </a:lnTo>
-                  <a:lnTo>
-                    <a:pt x="8502592" y="0"/>
+                    <a:pt x="1277055" y="3410782"/>
+                  </a:lnTo>
+                  <a:lnTo>
+                    <a:pt x="2853439" y="1436481"/>
+                  </a:lnTo>
+                  <a:lnTo>
+                    <a:pt x="4610243" y="345341"/>
+                  </a:lnTo>
+                  <a:lnTo>
+                    <a:pt x="6340585" y="0"/>
+                  </a:lnTo>
+                  <a:lnTo>
+                    <a:pt x="6340585" y="0"/>
+                  </a:lnTo>
+                  <a:lnTo>
+                    <a:pt x="6340585" y="0"/>
                   </a:lnTo>
                 </a:path>
               </a:pathLst>
@@ -3220,33 +3220,33 @@
           </p:nvSpPr>
           <p:spPr>
             <a:xfrm>
-              <a:off x="571818" y="69589"/>
-              <a:ext cx="8502592" cy="6340585"/>
-            </a:xfrm>
-            <a:custGeom>
-              <a:avLst/>
-              <a:pathLst>
-                <a:path w="8502592" h="6340585">
+              <a:off x="1652822" y="69589"/>
+              <a:ext cx="6340585" cy="6340585"/>
+            </a:xfrm>
+            <a:custGeom>
+              <a:avLst/>
+              <a:pathLst>
+                <a:path w="6340585" h="6340585">
                   <a:moveTo>
                     <a:pt x="0" y="6340585"/>
                   </a:moveTo>
                   <a:lnTo>
-                    <a:pt x="2024629" y="4097589"/>
-                  </a:lnTo>
-                  <a:lnTo>
-                    <a:pt x="4041057" y="2212422"/>
-                  </a:lnTo>
-                  <a:lnTo>
-                    <a:pt x="6188549" y="850435"/>
-                  </a:lnTo>
-                  <a:lnTo>
-                    <a:pt x="8502592" y="0"/>
-                  </a:lnTo>
-                  <a:lnTo>
-                    <a:pt x="8502592" y="0"/>
-                  </a:lnTo>
-                  <a:lnTo>
-                    <a:pt x="8502592" y="0"/>
+                    <a:pt x="1509814" y="4097589"/>
+                  </a:lnTo>
+                  <a:lnTo>
+                    <a:pt x="3013512" y="2212422"/>
+                  </a:lnTo>
+                  <a:lnTo>
+                    <a:pt x="4614948" y="850435"/>
+                  </a:lnTo>
+                  <a:lnTo>
+                    <a:pt x="6340585" y="0"/>
+                  </a:lnTo>
+                  <a:lnTo>
+                    <a:pt x="6340585" y="0"/>
+                  </a:lnTo>
+                  <a:lnTo>
+                    <a:pt x="6340585" y="0"/>
                   </a:lnTo>
                 </a:path>
               </a:pathLst>
@@ -3275,33 +3275,33 @@
           </p:nvSpPr>
           <p:spPr>
             <a:xfrm>
-              <a:off x="571818" y="69589"/>
-              <a:ext cx="8502592" cy="6340585"/>
-            </a:xfrm>
-            <a:custGeom>
-              <a:avLst/>
-              <a:pathLst>
-                <a:path w="8502592" h="6340585">
+              <a:off x="1652822" y="69589"/>
+              <a:ext cx="6340585" cy="6340585"/>
+            </a:xfrm>
+            <a:custGeom>
+              <a:avLst/>
+              <a:pathLst>
+                <a:path w="6340585" h="6340585">
                   <a:moveTo>
                     <a:pt x="0" y="6340585"/>
                   </a:moveTo>
                   <a:lnTo>
-                    <a:pt x="1879844" y="3710049"/>
-                  </a:lnTo>
-                  <a:lnTo>
-                    <a:pt x="3955258" y="1699578"/>
-                  </a:lnTo>
-                  <a:lnTo>
-                    <a:pt x="6251952" y="511122"/>
-                  </a:lnTo>
-                  <a:lnTo>
-                    <a:pt x="8502592" y="0"/>
-                  </a:lnTo>
-                  <a:lnTo>
-                    <a:pt x="8502592" y="0"/>
-                  </a:lnTo>
-                  <a:lnTo>
-                    <a:pt x="8502592" y="0"/>
+                    <a:pt x="1401844" y="3710049"/>
+                  </a:lnTo>
+                  <a:lnTo>
+                    <a:pt x="2949530" y="1699578"/>
+                  </a:lnTo>
+                  <a:lnTo>
+                    <a:pt x="4662229" y="511122"/>
+                  </a:lnTo>
+                  <a:lnTo>
+                    <a:pt x="6340585" y="0"/>
+                  </a:lnTo>
+                  <a:lnTo>
+                    <a:pt x="6340585" y="0"/>
+                  </a:lnTo>
+                  <a:lnTo>
+                    <a:pt x="6340585" y="0"/>
                   </a:lnTo>
                 </a:path>
               </a:pathLst>
@@ -3330,22 +3330,16 @@
           </p:nvSpPr>
           <p:spPr>
             <a:xfrm>
-              <a:off x="571818" y="69589"/>
-              <a:ext cx="8502592" cy="6340585"/>
-            </a:xfrm>
-            <a:custGeom>
-              <a:avLst/>
-              <a:pathLst>
-                <a:path w="8502592" h="6340585">
-                  <a:moveTo>
-                    <a:pt x="0" y="6340585"/>
-                  </a:moveTo>
-                  <a:lnTo>
-                    <a:pt x="8502592" y="0"/>
-                  </a:lnTo>
-                  <a:lnTo>
-                    <a:pt x="8502592" y="0"/>
-                  </a:lnTo>
+              <a:off x="1652822" y="6410174"/>
+              <a:ext cx="0" cy="0"/>
+            </a:xfrm>
+            <a:custGeom>
+              <a:avLst/>
+              <a:pathLst>
+                <a:path w="0" h="0">
+                  <a:moveTo>
+                    <a:pt x="0" y="0"/>
+                  </a:moveTo>
                 </a:path>
               </a:pathLst>
             </a:custGeom>
@@ -3373,8 +3367,8 @@
           </p:nvSpPr>
           <p:spPr>
             <a:xfrm>
-              <a:off x="571818" y="69589"/>
-              <a:ext cx="8502592" cy="6340585"/>
+              <a:off x="1652822" y="69589"/>
+              <a:ext cx="6340585" cy="6340585"/>
             </a:xfrm>
             <a:prstGeom prst="rect">
               <a:avLst/>
@@ -3403,7 +3397,7 @@
           </p:nvSpPr>
           <p:spPr>
             <a:xfrm>
-              <a:off x="260471" y="6363128"/>
+              <a:off x="1341475" y="6363128"/>
               <a:ext cx="248716" cy="94091"/>
             </a:xfrm>
             <a:prstGeom prst="rect">
@@ -3449,7 +3443,7 @@
           </p:nvSpPr>
           <p:spPr>
             <a:xfrm>
-              <a:off x="260471" y="4777981"/>
+              <a:off x="1341475" y="4777981"/>
               <a:ext cx="248716" cy="94091"/>
             </a:xfrm>
             <a:prstGeom prst="rect">
@@ -3495,7 +3489,7 @@
           </p:nvSpPr>
           <p:spPr>
             <a:xfrm>
-              <a:off x="260471" y="3192835"/>
+              <a:off x="1341475" y="3192835"/>
               <a:ext cx="248716" cy="94091"/>
             </a:xfrm>
             <a:prstGeom prst="rect">
@@ -3541,7 +3535,7 @@
           </p:nvSpPr>
           <p:spPr>
             <a:xfrm>
-              <a:off x="260471" y="1607689"/>
+              <a:off x="1341475" y="1607689"/>
               <a:ext cx="248716" cy="94091"/>
             </a:xfrm>
             <a:prstGeom prst="rect">
@@ -3587,7 +3581,7 @@
           </p:nvSpPr>
           <p:spPr>
             <a:xfrm>
-              <a:off x="260471" y="22543"/>
+              <a:off x="1341475" y="22543"/>
               <a:ext cx="248716" cy="94091"/>
             </a:xfrm>
             <a:prstGeom prst="rect">
@@ -3633,7 +3627,7 @@
           </p:nvSpPr>
           <p:spPr>
             <a:xfrm>
-              <a:off x="537024" y="6410174"/>
+              <a:off x="1618027" y="6410174"/>
               <a:ext cx="34794" cy="0"/>
             </a:xfrm>
             <a:custGeom>
@@ -3673,7 +3667,7 @@
           </p:nvSpPr>
           <p:spPr>
             <a:xfrm>
-              <a:off x="537024" y="4825027"/>
+              <a:off x="1618027" y="4825027"/>
               <a:ext cx="34794" cy="0"/>
             </a:xfrm>
             <a:custGeom>
@@ -3713,7 +3707,7 @@
           </p:nvSpPr>
           <p:spPr>
             <a:xfrm>
-              <a:off x="537024" y="3239881"/>
+              <a:off x="1618027" y="3239881"/>
               <a:ext cx="34794" cy="0"/>
             </a:xfrm>
             <a:custGeom>
@@ -3753,7 +3747,7 @@
           </p:nvSpPr>
           <p:spPr>
             <a:xfrm>
-              <a:off x="537024" y="1654735"/>
+              <a:off x="1618027" y="1654735"/>
               <a:ext cx="34794" cy="0"/>
             </a:xfrm>
             <a:custGeom>
@@ -3793,7 +3787,7 @@
           </p:nvSpPr>
           <p:spPr>
             <a:xfrm>
-              <a:off x="537024" y="69589"/>
+              <a:off x="1618027" y="69589"/>
               <a:ext cx="34794" cy="0"/>
             </a:xfrm>
             <a:custGeom>
@@ -3833,7 +3827,7 @@
           </p:nvSpPr>
           <p:spPr>
             <a:xfrm>
-              <a:off x="571818" y="6410174"/>
+              <a:off x="1652822" y="6410174"/>
               <a:ext cx="0" cy="34794"/>
             </a:xfrm>
             <a:custGeom>
@@ -3873,7 +3867,7 @@
           </p:nvSpPr>
           <p:spPr>
             <a:xfrm>
-              <a:off x="2697466" y="6410174"/>
+              <a:off x="3237968" y="6410174"/>
               <a:ext cx="0" cy="34794"/>
             </a:xfrm>
             <a:custGeom>
@@ -3953,7 +3947,7 @@
           </p:nvSpPr>
           <p:spPr>
             <a:xfrm>
-              <a:off x="6948762" y="6410174"/>
+              <a:off x="6408261" y="6410174"/>
               <a:ext cx="0" cy="34794"/>
             </a:xfrm>
             <a:custGeom>
@@ -3993,7 +3987,7 @@
           </p:nvSpPr>
           <p:spPr>
             <a:xfrm>
-              <a:off x="9074410" y="6410174"/>
+              <a:off x="7993407" y="6410174"/>
               <a:ext cx="0" cy="34794"/>
             </a:xfrm>
             <a:custGeom>
@@ -4033,7 +4027,7 @@
           </p:nvSpPr>
           <p:spPr>
             <a:xfrm>
-              <a:off x="447460" y="6472804"/>
+              <a:off x="1528463" y="6472804"/>
               <a:ext cx="248716" cy="94091"/>
             </a:xfrm>
             <a:prstGeom prst="rect">
@@ -4079,7 +4073,7 @@
           </p:nvSpPr>
           <p:spPr>
             <a:xfrm>
-              <a:off x="2573108" y="6472804"/>
+              <a:off x="3113610" y="6472804"/>
               <a:ext cx="248716" cy="94091"/>
             </a:xfrm>
             <a:prstGeom prst="rect">
@@ -4171,7 +4165,7 @@
           </p:nvSpPr>
           <p:spPr>
             <a:xfrm>
-              <a:off x="6824404" y="6472804"/>
+              <a:off x="6283902" y="6472804"/>
               <a:ext cx="248716" cy="94091"/>
             </a:xfrm>
             <a:prstGeom prst="rect">
@@ -4217,7 +4211,7 @@
           </p:nvSpPr>
           <p:spPr>
             <a:xfrm>
-              <a:off x="8950052" y="6472804"/>
+              <a:off x="7869048" y="6472804"/>
               <a:ext cx="248716" cy="94091"/>
             </a:xfrm>
             <a:prstGeom prst="rect">
@@ -4309,7 +4303,7 @@
           </p:nvSpPr>
           <p:spPr>
             <a:xfrm rot="-5400000">
-              <a:off x="-251822" y="3181039"/>
+              <a:off x="829181" y="3181039"/>
               <a:ext cx="760506" cy="117683"/>
             </a:xfrm>
             <a:prstGeom prst="rect">
@@ -4355,7 +4349,7 @@
           </p:nvSpPr>
           <p:spPr>
             <a:xfrm>
-              <a:off x="6342901" y="4633556"/>
+              <a:off x="5694299" y="4633556"/>
               <a:ext cx="2061981" cy="1017002"/>
             </a:xfrm>
             <a:prstGeom prst="rect">
@@ -4381,8 +4375,8 @@
           </p:nvSpPr>
           <p:spPr>
             <a:xfrm>
-              <a:off x="6412490" y="4703145"/>
-              <a:ext cx="219456" cy="219455"/>
+              <a:off x="5763888" y="4703145"/>
+              <a:ext cx="219455" cy="219455"/>
             </a:xfrm>
             <a:prstGeom prst="rect">
               <a:avLst/>
@@ -4407,7 +4401,7 @@
           </p:nvSpPr>
           <p:spPr>
             <a:xfrm>
-              <a:off x="6434436" y="4812873"/>
+              <a:off x="5785834" y="4812873"/>
               <a:ext cx="175564" cy="0"/>
             </a:xfrm>
             <a:custGeom>
@@ -4447,8 +4441,8 @@
           </p:nvSpPr>
           <p:spPr>
             <a:xfrm>
-              <a:off x="6412490" y="4922601"/>
-              <a:ext cx="219456" cy="219455"/>
+              <a:off x="5763888" y="4922601"/>
+              <a:ext cx="219455" cy="219455"/>
             </a:xfrm>
             <a:prstGeom prst="rect">
               <a:avLst/>
@@ -4473,7 +4467,7 @@
           </p:nvSpPr>
           <p:spPr>
             <a:xfrm>
-              <a:off x="6434436" y="5032329"/>
+              <a:off x="5785834" y="5032329"/>
               <a:ext cx="175564" cy="0"/>
             </a:xfrm>
             <a:custGeom>
@@ -4513,8 +4507,8 @@
           </p:nvSpPr>
           <p:spPr>
             <a:xfrm>
-              <a:off x="6412490" y="5142057"/>
-              <a:ext cx="219456" cy="219455"/>
+              <a:off x="5763888" y="5142057"/>
+              <a:ext cx="219455" cy="219455"/>
             </a:xfrm>
             <a:prstGeom prst="rect">
               <a:avLst/>
@@ -4539,7 +4533,7 @@
           </p:nvSpPr>
           <p:spPr>
             <a:xfrm>
-              <a:off x="6434436" y="5251785"/>
+              <a:off x="5785834" y="5251785"/>
               <a:ext cx="175564" cy="0"/>
             </a:xfrm>
             <a:custGeom>
@@ -4579,8 +4573,8 @@
           </p:nvSpPr>
           <p:spPr>
             <a:xfrm>
-              <a:off x="6412490" y="5361513"/>
-              <a:ext cx="219456" cy="219455"/>
+              <a:off x="5763888" y="5361513"/>
+              <a:ext cx="219455" cy="219455"/>
             </a:xfrm>
             <a:prstGeom prst="rect">
               <a:avLst/>
@@ -4605,7 +4599,7 @@
           </p:nvSpPr>
           <p:spPr>
             <a:xfrm>
-              <a:off x="6434436" y="5471241"/>
+              <a:off x="5785834" y="5471241"/>
               <a:ext cx="175564" cy="0"/>
             </a:xfrm>
             <a:custGeom>
@@ -4645,7 +4639,7 @@
           </p:nvSpPr>
           <p:spPr>
             <a:xfrm>
-              <a:off x="6701535" y="4762398"/>
+              <a:off x="6052933" y="4762398"/>
               <a:ext cx="1235720" cy="100949"/>
             </a:xfrm>
             <a:prstGeom prst="rect">
@@ -4691,7 +4685,7 @@
           </p:nvSpPr>
           <p:spPr>
             <a:xfrm>
-              <a:off x="6701535" y="4981854"/>
+              <a:off x="6052933" y="4981854"/>
               <a:ext cx="1633758" cy="100949"/>
             </a:xfrm>
             <a:prstGeom prst="rect">
@@ -4737,7 +4731,7 @@
           </p:nvSpPr>
           <p:spPr>
             <a:xfrm>
-              <a:off x="6701535" y="5201310"/>
+              <a:off x="6052933" y="5201310"/>
               <a:ext cx="1206825" cy="100949"/>
             </a:xfrm>
             <a:prstGeom prst="rect">
@@ -4783,7 +4777,7 @@
           </p:nvSpPr>
           <p:spPr>
             <a:xfrm>
-              <a:off x="6701535" y="5420766"/>
+              <a:off x="6052933" y="5420766"/>
               <a:ext cx="1576517" cy="100949"/>
             </a:xfrm>
             <a:prstGeom prst="rect">
@@ -4904,8 +4898,8 @@
           </p:nvSpPr>
           <p:spPr>
             <a:xfrm>
-              <a:off x="0" y="0"/>
-              <a:ext cx="9143999" cy="6858000"/>
+              <a:off x="1081003" y="0"/>
+              <a:ext cx="6981992" cy="6858000"/>
             </a:xfrm>
             <a:prstGeom prst="rect">
               <a:avLst/>
@@ -4939,8 +4933,8 @@
           </p:nvSpPr>
           <p:spPr>
             <a:xfrm>
-              <a:off x="571818" y="69589"/>
-              <a:ext cx="8502592" cy="6340585"/>
+              <a:off x="1652822" y="69589"/>
+              <a:ext cx="6340585" cy="6340585"/>
             </a:xfrm>
             <a:prstGeom prst="rect">
               <a:avLst/>
@@ -4965,21 +4959,21 @@
           </p:nvSpPr>
           <p:spPr>
             <a:xfrm>
-              <a:off x="571818" y="5617600"/>
-              <a:ext cx="8502592" cy="0"/>
-            </a:xfrm>
-            <a:custGeom>
-              <a:avLst/>
-              <a:pathLst>
-                <a:path w="8502592" h="0">
-                  <a:moveTo>
-                    <a:pt x="0" y="0"/>
-                  </a:moveTo>
-                  <a:lnTo>
-                    <a:pt x="8502592" y="0"/>
-                  </a:lnTo>
-                  <a:lnTo>
-                    <a:pt x="8502592" y="0"/>
+              <a:off x="1652822" y="5617600"/>
+              <a:ext cx="6340585" cy="0"/>
+            </a:xfrm>
+            <a:custGeom>
+              <a:avLst/>
+              <a:pathLst>
+                <a:path w="6340585" h="0">
+                  <a:moveTo>
+                    <a:pt x="0" y="0"/>
+                  </a:moveTo>
+                  <a:lnTo>
+                    <a:pt x="6340585" y="0"/>
+                  </a:lnTo>
+                  <a:lnTo>
+                    <a:pt x="6340585" y="0"/>
                   </a:lnTo>
                 </a:path>
               </a:pathLst>
@@ -5008,21 +5002,21 @@
           </p:nvSpPr>
           <p:spPr>
             <a:xfrm>
-              <a:off x="571818" y="4032454"/>
-              <a:ext cx="8502592" cy="0"/>
-            </a:xfrm>
-            <a:custGeom>
-              <a:avLst/>
-              <a:pathLst>
-                <a:path w="8502592" h="0">
-                  <a:moveTo>
-                    <a:pt x="0" y="0"/>
-                  </a:moveTo>
-                  <a:lnTo>
-                    <a:pt x="8502592" y="0"/>
-                  </a:lnTo>
-                  <a:lnTo>
-                    <a:pt x="8502592" y="0"/>
+              <a:off x="1652822" y="4032454"/>
+              <a:ext cx="6340585" cy="0"/>
+            </a:xfrm>
+            <a:custGeom>
+              <a:avLst/>
+              <a:pathLst>
+                <a:path w="6340585" h="0">
+                  <a:moveTo>
+                    <a:pt x="0" y="0"/>
+                  </a:moveTo>
+                  <a:lnTo>
+                    <a:pt x="6340585" y="0"/>
+                  </a:lnTo>
+                  <a:lnTo>
+                    <a:pt x="6340585" y="0"/>
                   </a:lnTo>
                 </a:path>
               </a:pathLst>
@@ -5051,21 +5045,21 @@
           </p:nvSpPr>
           <p:spPr>
             <a:xfrm>
-              <a:off x="571818" y="2447308"/>
-              <a:ext cx="8502592" cy="0"/>
-            </a:xfrm>
-            <a:custGeom>
-              <a:avLst/>
-              <a:pathLst>
-                <a:path w="8502592" h="0">
-                  <a:moveTo>
-                    <a:pt x="0" y="0"/>
-                  </a:moveTo>
-                  <a:lnTo>
-                    <a:pt x="8502592" y="0"/>
-                  </a:lnTo>
-                  <a:lnTo>
-                    <a:pt x="8502592" y="0"/>
+              <a:off x="1652822" y="2447308"/>
+              <a:ext cx="6340585" cy="0"/>
+            </a:xfrm>
+            <a:custGeom>
+              <a:avLst/>
+              <a:pathLst>
+                <a:path w="6340585" h="0">
+                  <a:moveTo>
+                    <a:pt x="0" y="0"/>
+                  </a:moveTo>
+                  <a:lnTo>
+                    <a:pt x="6340585" y="0"/>
+                  </a:lnTo>
+                  <a:lnTo>
+                    <a:pt x="6340585" y="0"/>
                   </a:lnTo>
                 </a:path>
               </a:pathLst>
@@ -5094,21 +5088,21 @@
           </p:nvSpPr>
           <p:spPr>
             <a:xfrm>
-              <a:off x="571818" y="862162"/>
-              <a:ext cx="8502592" cy="0"/>
-            </a:xfrm>
-            <a:custGeom>
-              <a:avLst/>
-              <a:pathLst>
-                <a:path w="8502592" h="0">
-                  <a:moveTo>
-                    <a:pt x="0" y="0"/>
-                  </a:moveTo>
-                  <a:lnTo>
-                    <a:pt x="8502592" y="0"/>
-                  </a:lnTo>
-                  <a:lnTo>
-                    <a:pt x="8502592" y="0"/>
+              <a:off x="1652822" y="862162"/>
+              <a:ext cx="6340585" cy="0"/>
+            </a:xfrm>
+            <a:custGeom>
+              <a:avLst/>
+              <a:pathLst>
+                <a:path w="6340585" h="0">
+                  <a:moveTo>
+                    <a:pt x="0" y="0"/>
+                  </a:moveTo>
+                  <a:lnTo>
+                    <a:pt x="6340585" y="0"/>
+                  </a:lnTo>
+                  <a:lnTo>
+                    <a:pt x="6340585" y="0"/>
                   </a:lnTo>
                 </a:path>
               </a:pathLst>
@@ -5137,7 +5131,7 @@
           </p:nvSpPr>
           <p:spPr>
             <a:xfrm>
-              <a:off x="1634642" y="69589"/>
+              <a:off x="2445395" y="69589"/>
               <a:ext cx="0" cy="6340585"/>
             </a:xfrm>
             <a:custGeom>
@@ -5180,7 +5174,7 @@
           </p:nvSpPr>
           <p:spPr>
             <a:xfrm>
-              <a:off x="3760290" y="69589"/>
+              <a:off x="4030541" y="69589"/>
               <a:ext cx="0" cy="6340585"/>
             </a:xfrm>
             <a:custGeom>
@@ -5223,7 +5217,7 @@
           </p:nvSpPr>
           <p:spPr>
             <a:xfrm>
-              <a:off x="5885938" y="69589"/>
+              <a:off x="5615687" y="69589"/>
               <a:ext cx="0" cy="6340585"/>
             </a:xfrm>
             <a:custGeom>
@@ -5266,7 +5260,7 @@
           </p:nvSpPr>
           <p:spPr>
             <a:xfrm>
-              <a:off x="8011586" y="69589"/>
+              <a:off x="7200834" y="69589"/>
               <a:ext cx="0" cy="6340585"/>
             </a:xfrm>
             <a:custGeom>
@@ -5309,21 +5303,21 @@
           </p:nvSpPr>
           <p:spPr>
             <a:xfrm>
-              <a:off x="571818" y="6410174"/>
-              <a:ext cx="8502592" cy="0"/>
-            </a:xfrm>
-            <a:custGeom>
-              <a:avLst/>
-              <a:pathLst>
-                <a:path w="8502592" h="0">
-                  <a:moveTo>
-                    <a:pt x="0" y="0"/>
-                  </a:moveTo>
-                  <a:lnTo>
-                    <a:pt x="8502592" y="0"/>
-                  </a:lnTo>
-                  <a:lnTo>
-                    <a:pt x="8502592" y="0"/>
+              <a:off x="1652822" y="6410174"/>
+              <a:ext cx="6340585" cy="0"/>
+            </a:xfrm>
+            <a:custGeom>
+              <a:avLst/>
+              <a:pathLst>
+                <a:path w="6340585" h="0">
+                  <a:moveTo>
+                    <a:pt x="0" y="0"/>
+                  </a:moveTo>
+                  <a:lnTo>
+                    <a:pt x="6340585" y="0"/>
+                  </a:lnTo>
+                  <a:lnTo>
+                    <a:pt x="6340585" y="0"/>
                   </a:lnTo>
                 </a:path>
               </a:pathLst>
@@ -5352,21 +5346,21 @@
           </p:nvSpPr>
           <p:spPr>
             <a:xfrm>
-              <a:off x="571818" y="4825027"/>
-              <a:ext cx="8502592" cy="0"/>
-            </a:xfrm>
-            <a:custGeom>
-              <a:avLst/>
-              <a:pathLst>
-                <a:path w="8502592" h="0">
-                  <a:moveTo>
-                    <a:pt x="0" y="0"/>
-                  </a:moveTo>
-                  <a:lnTo>
-                    <a:pt x="8502592" y="0"/>
-                  </a:lnTo>
-                  <a:lnTo>
-                    <a:pt x="8502592" y="0"/>
+              <a:off x="1652822" y="4825027"/>
+              <a:ext cx="6340585" cy="0"/>
+            </a:xfrm>
+            <a:custGeom>
+              <a:avLst/>
+              <a:pathLst>
+                <a:path w="6340585" h="0">
+                  <a:moveTo>
+                    <a:pt x="0" y="0"/>
+                  </a:moveTo>
+                  <a:lnTo>
+                    <a:pt x="6340585" y="0"/>
+                  </a:lnTo>
+                  <a:lnTo>
+                    <a:pt x="6340585" y="0"/>
                   </a:lnTo>
                 </a:path>
               </a:pathLst>
@@ -5395,21 +5389,21 @@
           </p:nvSpPr>
           <p:spPr>
             <a:xfrm>
-              <a:off x="571818" y="3239881"/>
-              <a:ext cx="8502592" cy="0"/>
-            </a:xfrm>
-            <a:custGeom>
-              <a:avLst/>
-              <a:pathLst>
-                <a:path w="8502592" h="0">
-                  <a:moveTo>
-                    <a:pt x="0" y="0"/>
-                  </a:moveTo>
-                  <a:lnTo>
-                    <a:pt x="8502592" y="0"/>
-                  </a:lnTo>
-                  <a:lnTo>
-                    <a:pt x="8502592" y="0"/>
+              <a:off x="1652822" y="3239881"/>
+              <a:ext cx="6340585" cy="0"/>
+            </a:xfrm>
+            <a:custGeom>
+              <a:avLst/>
+              <a:pathLst>
+                <a:path w="6340585" h="0">
+                  <a:moveTo>
+                    <a:pt x="0" y="0"/>
+                  </a:moveTo>
+                  <a:lnTo>
+                    <a:pt x="6340585" y="0"/>
+                  </a:lnTo>
+                  <a:lnTo>
+                    <a:pt x="6340585" y="0"/>
                   </a:lnTo>
                 </a:path>
               </a:pathLst>
@@ -5438,21 +5432,21 @@
           </p:nvSpPr>
           <p:spPr>
             <a:xfrm>
-              <a:off x="571818" y="1654735"/>
-              <a:ext cx="8502592" cy="0"/>
-            </a:xfrm>
-            <a:custGeom>
-              <a:avLst/>
-              <a:pathLst>
-                <a:path w="8502592" h="0">
-                  <a:moveTo>
-                    <a:pt x="0" y="0"/>
-                  </a:moveTo>
-                  <a:lnTo>
-                    <a:pt x="8502592" y="0"/>
-                  </a:lnTo>
-                  <a:lnTo>
-                    <a:pt x="8502592" y="0"/>
+              <a:off x="1652822" y="1654735"/>
+              <a:ext cx="6340585" cy="0"/>
+            </a:xfrm>
+            <a:custGeom>
+              <a:avLst/>
+              <a:pathLst>
+                <a:path w="6340585" h="0">
+                  <a:moveTo>
+                    <a:pt x="0" y="0"/>
+                  </a:moveTo>
+                  <a:lnTo>
+                    <a:pt x="6340585" y="0"/>
+                  </a:lnTo>
+                  <a:lnTo>
+                    <a:pt x="6340585" y="0"/>
                   </a:lnTo>
                 </a:path>
               </a:pathLst>
@@ -5481,21 +5475,21 @@
           </p:nvSpPr>
           <p:spPr>
             <a:xfrm>
-              <a:off x="571818" y="69589"/>
-              <a:ext cx="8502592" cy="0"/>
-            </a:xfrm>
-            <a:custGeom>
-              <a:avLst/>
-              <a:pathLst>
-                <a:path w="8502592" h="0">
-                  <a:moveTo>
-                    <a:pt x="0" y="0"/>
-                  </a:moveTo>
-                  <a:lnTo>
-                    <a:pt x="8502592" y="0"/>
-                  </a:lnTo>
-                  <a:lnTo>
-                    <a:pt x="8502592" y="0"/>
+              <a:off x="1652822" y="69589"/>
+              <a:ext cx="6340585" cy="0"/>
+            </a:xfrm>
+            <a:custGeom>
+              <a:avLst/>
+              <a:pathLst>
+                <a:path w="6340585" h="0">
+                  <a:moveTo>
+                    <a:pt x="0" y="0"/>
+                  </a:moveTo>
+                  <a:lnTo>
+                    <a:pt x="6340585" y="0"/>
+                  </a:lnTo>
+                  <a:lnTo>
+                    <a:pt x="6340585" y="0"/>
                   </a:lnTo>
                 </a:path>
               </a:pathLst>
@@ -5524,7 +5518,7 @@
           </p:nvSpPr>
           <p:spPr>
             <a:xfrm>
-              <a:off x="571818" y="69589"/>
+              <a:off x="1652822" y="69589"/>
               <a:ext cx="0" cy="6340585"/>
             </a:xfrm>
             <a:custGeom>
@@ -5567,7 +5561,7 @@
           </p:nvSpPr>
           <p:spPr>
             <a:xfrm>
-              <a:off x="2697466" y="69589"/>
+              <a:off x="3237968" y="69589"/>
               <a:ext cx="0" cy="6340585"/>
             </a:xfrm>
             <a:custGeom>
@@ -5653,7 +5647,7 @@
           </p:nvSpPr>
           <p:spPr>
             <a:xfrm>
-              <a:off x="6948762" y="69589"/>
+              <a:off x="6408261" y="69589"/>
               <a:ext cx="0" cy="6340585"/>
             </a:xfrm>
             <a:custGeom>
@@ -5696,7 +5690,7 @@
           </p:nvSpPr>
           <p:spPr>
             <a:xfrm>
-              <a:off x="9074410" y="69589"/>
+              <a:off x="7993407" y="69589"/>
               <a:ext cx="0" cy="6340585"/>
             </a:xfrm>
             <a:custGeom>
@@ -5739,33 +5733,33 @@
           </p:nvSpPr>
           <p:spPr>
             <a:xfrm>
-              <a:off x="571818" y="69589"/>
-              <a:ext cx="8502592" cy="6340585"/>
-            </a:xfrm>
-            <a:custGeom>
-              <a:avLst/>
-              <a:pathLst>
-                <a:path w="8502592" h="6340585">
+              <a:off x="1652822" y="69589"/>
+              <a:ext cx="6340585" cy="6340585"/>
+            </a:xfrm>
+            <a:custGeom>
+              <a:avLst/>
+              <a:pathLst>
+                <a:path w="6340585" h="6340585">
                   <a:moveTo>
                     <a:pt x="0" y="6340585"/>
                   </a:moveTo>
                   <a:lnTo>
-                    <a:pt x="2059079" y="3867457"/>
-                  </a:lnTo>
-                  <a:lnTo>
-                    <a:pt x="4143172" y="1939964"/>
-                  </a:lnTo>
-                  <a:lnTo>
-                    <a:pt x="6283690" y="637924"/>
-                  </a:lnTo>
-                  <a:lnTo>
-                    <a:pt x="8502592" y="0"/>
-                  </a:lnTo>
-                  <a:lnTo>
-                    <a:pt x="8502592" y="0"/>
-                  </a:lnTo>
-                  <a:lnTo>
-                    <a:pt x="8502592" y="0"/>
+                    <a:pt x="1535504" y="3867457"/>
+                  </a:lnTo>
+                  <a:lnTo>
+                    <a:pt x="3089661" y="1939964"/>
+                  </a:lnTo>
+                  <a:lnTo>
+                    <a:pt x="4685896" y="637924"/>
+                  </a:lnTo>
+                  <a:lnTo>
+                    <a:pt x="6340585" y="0"/>
+                  </a:lnTo>
+                  <a:lnTo>
+                    <a:pt x="6340585" y="0"/>
+                  </a:lnTo>
+                  <a:lnTo>
+                    <a:pt x="6340585" y="0"/>
                   </a:lnTo>
                 </a:path>
               </a:pathLst>
@@ -5794,33 +5788,33 @@
           </p:nvSpPr>
           <p:spPr>
             <a:xfrm>
-              <a:off x="571818" y="69589"/>
-              <a:ext cx="8502592" cy="6340585"/>
-            </a:xfrm>
-            <a:custGeom>
-              <a:avLst/>
-              <a:pathLst>
-                <a:path w="8502592" h="6340585">
+              <a:off x="1652822" y="69589"/>
+              <a:ext cx="6340585" cy="6340585"/>
+            </a:xfrm>
+            <a:custGeom>
+              <a:avLst/>
+              <a:pathLst>
+                <a:path w="6340585" h="6340585">
                   <a:moveTo>
                     <a:pt x="0" y="6340585"/>
                   </a:moveTo>
                   <a:lnTo>
-                    <a:pt x="1919761" y="3558784"/>
-                  </a:lnTo>
-                  <a:lnTo>
-                    <a:pt x="4066678" y="1547731"/>
-                  </a:lnTo>
-                  <a:lnTo>
-                    <a:pt x="6333280" y="372278"/>
-                  </a:lnTo>
-                  <a:lnTo>
-                    <a:pt x="8502592" y="0"/>
-                  </a:lnTo>
-                  <a:lnTo>
-                    <a:pt x="8502592" y="0"/>
-                  </a:lnTo>
-                  <a:lnTo>
-                    <a:pt x="8502592" y="0"/>
+                    <a:pt x="1431612" y="3558784"/>
+                  </a:lnTo>
+                  <a:lnTo>
+                    <a:pt x="3032618" y="1547731"/>
+                  </a:lnTo>
+                  <a:lnTo>
+                    <a:pt x="4722877" y="372278"/>
+                  </a:lnTo>
+                  <a:lnTo>
+                    <a:pt x="6340585" y="0"/>
+                  </a:lnTo>
+                  <a:lnTo>
+                    <a:pt x="6340585" y="0"/>
+                  </a:lnTo>
+                  <a:lnTo>
+                    <a:pt x="6340585" y="0"/>
                   </a:lnTo>
                 </a:path>
               </a:pathLst>
@@ -5849,33 +5843,33 @@
           </p:nvSpPr>
           <p:spPr>
             <a:xfrm>
-              <a:off x="571818" y="69589"/>
-              <a:ext cx="8502592" cy="6340585"/>
-            </a:xfrm>
-            <a:custGeom>
-              <a:avLst/>
-              <a:pathLst>
-                <a:path w="8502592" h="6340585">
+              <a:off x="1652822" y="69589"/>
+              <a:ext cx="6340585" cy="6340585"/>
+            </a:xfrm>
+            <a:custGeom>
+              <a:avLst/>
+              <a:pathLst>
+                <a:path w="6340585" h="6340585">
                   <a:moveTo>
                     <a:pt x="0" y="6340585"/>
                   </a:moveTo>
                   <a:lnTo>
-                    <a:pt x="2129756" y="4219781"/>
-                  </a:lnTo>
-                  <a:lnTo>
-                    <a:pt x="4183309" y="2322844"/>
-                  </a:lnTo>
-                  <a:lnTo>
-                    <a:pt x="6295905" y="918536"/>
-                  </a:lnTo>
-                  <a:lnTo>
-                    <a:pt x="8502592" y="0"/>
-                  </a:lnTo>
-                  <a:lnTo>
-                    <a:pt x="8502592" y="0"/>
-                  </a:lnTo>
-                  <a:lnTo>
-                    <a:pt x="8502592" y="0"/>
+                    <a:pt x="1588209" y="4219781"/>
+                  </a:lnTo>
+                  <a:lnTo>
+                    <a:pt x="3119593" y="2322844"/>
+                  </a:lnTo>
+                  <a:lnTo>
+                    <a:pt x="4695006" y="918536"/>
+                  </a:lnTo>
+                  <a:lnTo>
+                    <a:pt x="6340585" y="0"/>
+                  </a:lnTo>
+                  <a:lnTo>
+                    <a:pt x="6340585" y="0"/>
+                  </a:lnTo>
+                  <a:lnTo>
+                    <a:pt x="6340585" y="0"/>
                   </a:lnTo>
                 </a:path>
               </a:pathLst>
@@ -5904,33 +5898,33 @@
           </p:nvSpPr>
           <p:spPr>
             <a:xfrm>
-              <a:off x="571818" y="69589"/>
-              <a:ext cx="8502592" cy="6340585"/>
-            </a:xfrm>
-            <a:custGeom>
-              <a:avLst/>
-              <a:pathLst>
-                <a:path w="8502592" h="6340585">
+              <a:off x="1652822" y="69589"/>
+              <a:ext cx="6340585" cy="6340585"/>
+            </a:xfrm>
+            <a:custGeom>
+              <a:avLst/>
+              <a:pathLst>
+                <a:path w="6340585" h="6340585">
                   <a:moveTo>
                     <a:pt x="0" y="6340585"/>
                   </a:moveTo>
                   <a:lnTo>
-                    <a:pt x="2064314" y="3950393"/>
-                  </a:lnTo>
-                  <a:lnTo>
-                    <a:pt x="4187672" y="1938093"/>
-                  </a:lnTo>
-                  <a:lnTo>
-                    <a:pt x="6394213" y="598015"/>
-                  </a:lnTo>
-                  <a:lnTo>
-                    <a:pt x="8502592" y="0"/>
-                  </a:lnTo>
-                  <a:lnTo>
-                    <a:pt x="8502592" y="0"/>
-                  </a:lnTo>
-                  <a:lnTo>
-                    <a:pt x="8502592" y="0"/>
+                    <a:pt x="1539408" y="3950393"/>
+                  </a:lnTo>
+                  <a:lnTo>
+                    <a:pt x="3122846" y="1938093"/>
+                  </a:lnTo>
+                  <a:lnTo>
+                    <a:pt x="4768316" y="598015"/>
+                  </a:lnTo>
+                  <a:lnTo>
+                    <a:pt x="6340585" y="0"/>
+                  </a:lnTo>
+                  <a:lnTo>
+                    <a:pt x="6340585" y="0"/>
+                  </a:lnTo>
+                  <a:lnTo>
+                    <a:pt x="6340585" y="0"/>
                   </a:lnTo>
                 </a:path>
               </a:pathLst>
@@ -5959,22 +5953,16 @@
           </p:nvSpPr>
           <p:spPr>
             <a:xfrm>
-              <a:off x="571818" y="69589"/>
-              <a:ext cx="8502592" cy="6340585"/>
-            </a:xfrm>
-            <a:custGeom>
-              <a:avLst/>
-              <a:pathLst>
-                <a:path w="8502592" h="6340585">
-                  <a:moveTo>
-                    <a:pt x="0" y="6340585"/>
-                  </a:moveTo>
-                  <a:lnTo>
-                    <a:pt x="8502592" y="0"/>
-                  </a:lnTo>
-                  <a:lnTo>
-                    <a:pt x="8502592" y="0"/>
-                  </a:lnTo>
+              <a:off x="1652822" y="6410174"/>
+              <a:ext cx="0" cy="0"/>
+            </a:xfrm>
+            <a:custGeom>
+              <a:avLst/>
+              <a:pathLst>
+                <a:path w="0" h="0">
+                  <a:moveTo>
+                    <a:pt x="0" y="0"/>
+                  </a:moveTo>
                 </a:path>
               </a:pathLst>
             </a:custGeom>
@@ -6002,8 +5990,8 @@
           </p:nvSpPr>
           <p:spPr>
             <a:xfrm>
-              <a:off x="571818" y="69589"/>
-              <a:ext cx="8502592" cy="6340585"/>
+              <a:off x="1652822" y="69589"/>
+              <a:ext cx="6340585" cy="6340585"/>
             </a:xfrm>
             <a:prstGeom prst="rect">
               <a:avLst/>
@@ -6032,7 +6020,7 @@
           </p:nvSpPr>
           <p:spPr>
             <a:xfrm>
-              <a:off x="260471" y="6363128"/>
+              <a:off x="1341475" y="6363128"/>
               <a:ext cx="248716" cy="94091"/>
             </a:xfrm>
             <a:prstGeom prst="rect">
@@ -6078,7 +6066,7 @@
           </p:nvSpPr>
           <p:spPr>
             <a:xfrm>
-              <a:off x="260471" y="4777981"/>
+              <a:off x="1341475" y="4777981"/>
               <a:ext cx="248716" cy="94091"/>
             </a:xfrm>
             <a:prstGeom prst="rect">
@@ -6124,7 +6112,7 @@
           </p:nvSpPr>
           <p:spPr>
             <a:xfrm>
-              <a:off x="260471" y="3192835"/>
+              <a:off x="1341475" y="3192835"/>
               <a:ext cx="248716" cy="94091"/>
             </a:xfrm>
             <a:prstGeom prst="rect">
@@ -6170,7 +6158,7 @@
           </p:nvSpPr>
           <p:spPr>
             <a:xfrm>
-              <a:off x="260471" y="1607689"/>
+              <a:off x="1341475" y="1607689"/>
               <a:ext cx="248716" cy="94091"/>
             </a:xfrm>
             <a:prstGeom prst="rect">
@@ -6216,7 +6204,7 @@
           </p:nvSpPr>
           <p:spPr>
             <a:xfrm>
-              <a:off x="260471" y="22543"/>
+              <a:off x="1341475" y="22543"/>
               <a:ext cx="248716" cy="94091"/>
             </a:xfrm>
             <a:prstGeom prst="rect">
@@ -6262,7 +6250,7 @@
           </p:nvSpPr>
           <p:spPr>
             <a:xfrm>
-              <a:off x="537024" y="6410174"/>
+              <a:off x="1618027" y="6410174"/>
               <a:ext cx="34794" cy="0"/>
             </a:xfrm>
             <a:custGeom>
@@ -6302,7 +6290,7 @@
           </p:nvSpPr>
           <p:spPr>
             <a:xfrm>
-              <a:off x="537024" y="4825027"/>
+              <a:off x="1618027" y="4825027"/>
               <a:ext cx="34794" cy="0"/>
             </a:xfrm>
             <a:custGeom>
@@ -6342,7 +6330,7 @@
           </p:nvSpPr>
           <p:spPr>
             <a:xfrm>
-              <a:off x="537024" y="3239881"/>
+              <a:off x="1618027" y="3239881"/>
               <a:ext cx="34794" cy="0"/>
             </a:xfrm>
             <a:custGeom>
@@ -6382,7 +6370,7 @@
           </p:nvSpPr>
           <p:spPr>
             <a:xfrm>
-              <a:off x="537024" y="1654735"/>
+              <a:off x="1618027" y="1654735"/>
               <a:ext cx="34794" cy="0"/>
             </a:xfrm>
             <a:custGeom>
@@ -6422,7 +6410,7 @@
           </p:nvSpPr>
           <p:spPr>
             <a:xfrm>
-              <a:off x="537024" y="69589"/>
+              <a:off x="1618027" y="69589"/>
               <a:ext cx="34794" cy="0"/>
             </a:xfrm>
             <a:custGeom>
@@ -6462,7 +6450,7 @@
           </p:nvSpPr>
           <p:spPr>
             <a:xfrm>
-              <a:off x="571818" y="6410174"/>
+              <a:off x="1652822" y="6410174"/>
               <a:ext cx="0" cy="34794"/>
             </a:xfrm>
             <a:custGeom>
@@ -6502,7 +6490,7 @@
           </p:nvSpPr>
           <p:spPr>
             <a:xfrm>
-              <a:off x="2697466" y="6410174"/>
+              <a:off x="3237968" y="6410174"/>
               <a:ext cx="0" cy="34794"/>
             </a:xfrm>
             <a:custGeom>
@@ -6582,7 +6570,7 @@
           </p:nvSpPr>
           <p:spPr>
             <a:xfrm>
-              <a:off x="6948762" y="6410174"/>
+              <a:off x="6408261" y="6410174"/>
               <a:ext cx="0" cy="34794"/>
             </a:xfrm>
             <a:custGeom>
@@ -6622,7 +6610,7 @@
           </p:nvSpPr>
           <p:spPr>
             <a:xfrm>
-              <a:off x="9074410" y="6410174"/>
+              <a:off x="7993407" y="6410174"/>
               <a:ext cx="0" cy="34794"/>
             </a:xfrm>
             <a:custGeom>
@@ -6662,7 +6650,7 @@
           </p:nvSpPr>
           <p:spPr>
             <a:xfrm>
-              <a:off x="447460" y="6472804"/>
+              <a:off x="1528463" y="6472804"/>
               <a:ext cx="248716" cy="94091"/>
             </a:xfrm>
             <a:prstGeom prst="rect">
@@ -6708,7 +6696,7 @@
           </p:nvSpPr>
           <p:spPr>
             <a:xfrm>
-              <a:off x="2573108" y="6472804"/>
+              <a:off x="3113610" y="6472804"/>
               <a:ext cx="248716" cy="94091"/>
             </a:xfrm>
             <a:prstGeom prst="rect">
@@ -6800,7 +6788,7 @@
           </p:nvSpPr>
           <p:spPr>
             <a:xfrm>
-              <a:off x="6824404" y="6472804"/>
+              <a:off x="6283902" y="6472804"/>
               <a:ext cx="248716" cy="94091"/>
             </a:xfrm>
             <a:prstGeom prst="rect">
@@ -6846,7 +6834,7 @@
           </p:nvSpPr>
           <p:spPr>
             <a:xfrm>
-              <a:off x="8950052" y="6472804"/>
+              <a:off x="7869048" y="6472804"/>
               <a:ext cx="248716" cy="94091"/>
             </a:xfrm>
             <a:prstGeom prst="rect">
@@ -6938,7 +6926,7 @@
           </p:nvSpPr>
           <p:spPr>
             <a:xfrm rot="-5400000">
-              <a:off x="-251822" y="3181039"/>
+              <a:off x="829181" y="3181039"/>
               <a:ext cx="760506" cy="117683"/>
             </a:xfrm>
             <a:prstGeom prst="rect">
@@ -6984,7 +6972,7 @@
           </p:nvSpPr>
           <p:spPr>
             <a:xfrm>
-              <a:off x="6342901" y="4633556"/>
+              <a:off x="5694299" y="4633556"/>
               <a:ext cx="2061981" cy="1017002"/>
             </a:xfrm>
             <a:prstGeom prst="rect">
@@ -7010,8 +6998,8 @@
           </p:nvSpPr>
           <p:spPr>
             <a:xfrm>
-              <a:off x="6412490" y="4703145"/>
-              <a:ext cx="219456" cy="219455"/>
+              <a:off x="5763888" y="4703145"/>
+              <a:ext cx="219455" cy="219455"/>
             </a:xfrm>
             <a:prstGeom prst="rect">
               <a:avLst/>
@@ -7036,7 +7024,7 @@
           </p:nvSpPr>
           <p:spPr>
             <a:xfrm>
-              <a:off x="6434436" y="4812873"/>
+              <a:off x="5785834" y="4812873"/>
               <a:ext cx="175564" cy="0"/>
             </a:xfrm>
             <a:custGeom>
@@ -7076,8 +7064,8 @@
           </p:nvSpPr>
           <p:spPr>
             <a:xfrm>
-              <a:off x="6412490" y="4922601"/>
-              <a:ext cx="219456" cy="219455"/>
+              <a:off x="5763888" y="4922601"/>
+              <a:ext cx="219455" cy="219455"/>
             </a:xfrm>
             <a:prstGeom prst="rect">
               <a:avLst/>
@@ -7102,7 +7090,7 @@
           </p:nvSpPr>
           <p:spPr>
             <a:xfrm>
-              <a:off x="6434436" y="5032329"/>
+              <a:off x="5785834" y="5032329"/>
               <a:ext cx="175564" cy="0"/>
             </a:xfrm>
             <a:custGeom>
@@ -7142,8 +7130,8 @@
           </p:nvSpPr>
           <p:spPr>
             <a:xfrm>
-              <a:off x="6412490" y="5142057"/>
-              <a:ext cx="219456" cy="219455"/>
+              <a:off x="5763888" y="5142057"/>
+              <a:ext cx="219455" cy="219455"/>
             </a:xfrm>
             <a:prstGeom prst="rect">
               <a:avLst/>
@@ -7168,7 +7156,7 @@
           </p:nvSpPr>
           <p:spPr>
             <a:xfrm>
-              <a:off x="6434436" y="5251785"/>
+              <a:off x="5785834" y="5251785"/>
               <a:ext cx="175564" cy="0"/>
             </a:xfrm>
             <a:custGeom>
@@ -7208,8 +7196,8 @@
           </p:nvSpPr>
           <p:spPr>
             <a:xfrm>
-              <a:off x="6412490" y="5361513"/>
-              <a:ext cx="219456" cy="219455"/>
+              <a:off x="5763888" y="5361513"/>
+              <a:ext cx="219455" cy="219455"/>
             </a:xfrm>
             <a:prstGeom prst="rect">
               <a:avLst/>
@@ -7234,7 +7222,7 @@
           </p:nvSpPr>
           <p:spPr>
             <a:xfrm>
-              <a:off x="6434436" y="5471241"/>
+              <a:off x="5785834" y="5471241"/>
               <a:ext cx="175564" cy="0"/>
             </a:xfrm>
             <a:custGeom>
@@ -7274,7 +7262,7 @@
           </p:nvSpPr>
           <p:spPr>
             <a:xfrm>
-              <a:off x="6701535" y="4762398"/>
+              <a:off x="6052933" y="4762398"/>
               <a:ext cx="1235720" cy="100949"/>
             </a:xfrm>
             <a:prstGeom prst="rect">
@@ -7320,7 +7308,7 @@
           </p:nvSpPr>
           <p:spPr>
             <a:xfrm>
-              <a:off x="6701535" y="4981854"/>
+              <a:off x="6052933" y="4981854"/>
               <a:ext cx="1633758" cy="100949"/>
             </a:xfrm>
             <a:prstGeom prst="rect">
@@ -7366,7 +7354,7 @@
           </p:nvSpPr>
           <p:spPr>
             <a:xfrm>
-              <a:off x="6701535" y="5201310"/>
+              <a:off x="6052933" y="5201310"/>
               <a:ext cx="1206825" cy="100949"/>
             </a:xfrm>
             <a:prstGeom prst="rect">
@@ -7412,7 +7400,7 @@
           </p:nvSpPr>
           <p:spPr>
             <a:xfrm>
-              <a:off x="6701535" y="5420766"/>
+              <a:off x="6052933" y="5420766"/>
               <a:ext cx="1576517" cy="100949"/>
             </a:xfrm>
             <a:prstGeom prst="rect">
@@ -7533,8 +7521,8 @@
           </p:nvSpPr>
           <p:spPr>
             <a:xfrm>
-              <a:off x="0" y="0"/>
-              <a:ext cx="9143999" cy="6858000"/>
+              <a:off x="1081003" y="0"/>
+              <a:ext cx="6981992" cy="6858000"/>
             </a:xfrm>
             <a:prstGeom prst="rect">
               <a:avLst/>
@@ -7568,8 +7556,8 @@
           </p:nvSpPr>
           <p:spPr>
             <a:xfrm>
-              <a:off x="571818" y="69589"/>
-              <a:ext cx="8502592" cy="6340585"/>
+              <a:off x="1652822" y="69589"/>
+              <a:ext cx="6340585" cy="6340585"/>
             </a:xfrm>
             <a:prstGeom prst="rect">
               <a:avLst/>
@@ -7594,21 +7582,21 @@
           </p:nvSpPr>
           <p:spPr>
             <a:xfrm>
-              <a:off x="571818" y="5617600"/>
-              <a:ext cx="8502592" cy="0"/>
-            </a:xfrm>
-            <a:custGeom>
-              <a:avLst/>
-              <a:pathLst>
-                <a:path w="8502592" h="0">
-                  <a:moveTo>
-                    <a:pt x="0" y="0"/>
-                  </a:moveTo>
-                  <a:lnTo>
-                    <a:pt x="8502592" y="0"/>
-                  </a:lnTo>
-                  <a:lnTo>
-                    <a:pt x="8502592" y="0"/>
+              <a:off x="1652822" y="5617600"/>
+              <a:ext cx="6340585" cy="0"/>
+            </a:xfrm>
+            <a:custGeom>
+              <a:avLst/>
+              <a:pathLst>
+                <a:path w="6340585" h="0">
+                  <a:moveTo>
+                    <a:pt x="0" y="0"/>
+                  </a:moveTo>
+                  <a:lnTo>
+                    <a:pt x="6340585" y="0"/>
+                  </a:lnTo>
+                  <a:lnTo>
+                    <a:pt x="6340585" y="0"/>
                   </a:lnTo>
                 </a:path>
               </a:pathLst>
@@ -7637,21 +7625,21 @@
           </p:nvSpPr>
           <p:spPr>
             <a:xfrm>
-              <a:off x="571818" y="4032454"/>
-              <a:ext cx="8502592" cy="0"/>
-            </a:xfrm>
-            <a:custGeom>
-              <a:avLst/>
-              <a:pathLst>
-                <a:path w="8502592" h="0">
-                  <a:moveTo>
-                    <a:pt x="0" y="0"/>
-                  </a:moveTo>
-                  <a:lnTo>
-                    <a:pt x="8502592" y="0"/>
-                  </a:lnTo>
-                  <a:lnTo>
-                    <a:pt x="8502592" y="0"/>
+              <a:off x="1652822" y="4032454"/>
+              <a:ext cx="6340585" cy="0"/>
+            </a:xfrm>
+            <a:custGeom>
+              <a:avLst/>
+              <a:pathLst>
+                <a:path w="6340585" h="0">
+                  <a:moveTo>
+                    <a:pt x="0" y="0"/>
+                  </a:moveTo>
+                  <a:lnTo>
+                    <a:pt x="6340585" y="0"/>
+                  </a:lnTo>
+                  <a:lnTo>
+                    <a:pt x="6340585" y="0"/>
                   </a:lnTo>
                 </a:path>
               </a:pathLst>
@@ -7680,21 +7668,21 @@
           </p:nvSpPr>
           <p:spPr>
             <a:xfrm>
-              <a:off x="571818" y="2447308"/>
-              <a:ext cx="8502592" cy="0"/>
-            </a:xfrm>
-            <a:custGeom>
-              <a:avLst/>
-              <a:pathLst>
-                <a:path w="8502592" h="0">
-                  <a:moveTo>
-                    <a:pt x="0" y="0"/>
-                  </a:moveTo>
-                  <a:lnTo>
-                    <a:pt x="8502592" y="0"/>
-                  </a:lnTo>
-                  <a:lnTo>
-                    <a:pt x="8502592" y="0"/>
+              <a:off x="1652822" y="2447308"/>
+              <a:ext cx="6340585" cy="0"/>
+            </a:xfrm>
+            <a:custGeom>
+              <a:avLst/>
+              <a:pathLst>
+                <a:path w="6340585" h="0">
+                  <a:moveTo>
+                    <a:pt x="0" y="0"/>
+                  </a:moveTo>
+                  <a:lnTo>
+                    <a:pt x="6340585" y="0"/>
+                  </a:lnTo>
+                  <a:lnTo>
+                    <a:pt x="6340585" y="0"/>
                   </a:lnTo>
                 </a:path>
               </a:pathLst>
@@ -7723,21 +7711,21 @@
           </p:nvSpPr>
           <p:spPr>
             <a:xfrm>
-              <a:off x="571818" y="862162"/>
-              <a:ext cx="8502592" cy="0"/>
-            </a:xfrm>
-            <a:custGeom>
-              <a:avLst/>
-              <a:pathLst>
-                <a:path w="8502592" h="0">
-                  <a:moveTo>
-                    <a:pt x="0" y="0"/>
-                  </a:moveTo>
-                  <a:lnTo>
-                    <a:pt x="8502592" y="0"/>
-                  </a:lnTo>
-                  <a:lnTo>
-                    <a:pt x="8502592" y="0"/>
+              <a:off x="1652822" y="862162"/>
+              <a:ext cx="6340585" cy="0"/>
+            </a:xfrm>
+            <a:custGeom>
+              <a:avLst/>
+              <a:pathLst>
+                <a:path w="6340585" h="0">
+                  <a:moveTo>
+                    <a:pt x="0" y="0"/>
+                  </a:moveTo>
+                  <a:lnTo>
+                    <a:pt x="6340585" y="0"/>
+                  </a:lnTo>
+                  <a:lnTo>
+                    <a:pt x="6340585" y="0"/>
                   </a:lnTo>
                 </a:path>
               </a:pathLst>
@@ -7766,7 +7754,7 @@
           </p:nvSpPr>
           <p:spPr>
             <a:xfrm>
-              <a:off x="1634642" y="69589"/>
+              <a:off x="2445395" y="69589"/>
               <a:ext cx="0" cy="6340585"/>
             </a:xfrm>
             <a:custGeom>
@@ -7809,7 +7797,7 @@
           </p:nvSpPr>
           <p:spPr>
             <a:xfrm>
-              <a:off x="3760290" y="69589"/>
+              <a:off x="4030541" y="69589"/>
               <a:ext cx="0" cy="6340585"/>
             </a:xfrm>
             <a:custGeom>
@@ -7852,7 +7840,7 @@
           </p:nvSpPr>
           <p:spPr>
             <a:xfrm>
-              <a:off x="5885938" y="69589"/>
+              <a:off x="5615687" y="69589"/>
               <a:ext cx="0" cy="6340585"/>
             </a:xfrm>
             <a:custGeom>
@@ -7895,7 +7883,7 @@
           </p:nvSpPr>
           <p:spPr>
             <a:xfrm>
-              <a:off x="8011586" y="69589"/>
+              <a:off x="7200834" y="69589"/>
               <a:ext cx="0" cy="6340585"/>
             </a:xfrm>
             <a:custGeom>
@@ -7938,21 +7926,21 @@
           </p:nvSpPr>
           <p:spPr>
             <a:xfrm>
-              <a:off x="571818" y="6410174"/>
-              <a:ext cx="8502592" cy="0"/>
-            </a:xfrm>
-            <a:custGeom>
-              <a:avLst/>
-              <a:pathLst>
-                <a:path w="8502592" h="0">
-                  <a:moveTo>
-                    <a:pt x="0" y="0"/>
-                  </a:moveTo>
-                  <a:lnTo>
-                    <a:pt x="8502592" y="0"/>
-                  </a:lnTo>
-                  <a:lnTo>
-                    <a:pt x="8502592" y="0"/>
+              <a:off x="1652822" y="6410174"/>
+              <a:ext cx="6340585" cy="0"/>
+            </a:xfrm>
+            <a:custGeom>
+              <a:avLst/>
+              <a:pathLst>
+                <a:path w="6340585" h="0">
+                  <a:moveTo>
+                    <a:pt x="0" y="0"/>
+                  </a:moveTo>
+                  <a:lnTo>
+                    <a:pt x="6340585" y="0"/>
+                  </a:lnTo>
+                  <a:lnTo>
+                    <a:pt x="6340585" y="0"/>
                   </a:lnTo>
                 </a:path>
               </a:pathLst>
@@ -7981,21 +7969,21 @@
           </p:nvSpPr>
           <p:spPr>
             <a:xfrm>
-              <a:off x="571818" y="4825027"/>
-              <a:ext cx="8502592" cy="0"/>
-            </a:xfrm>
-            <a:custGeom>
-              <a:avLst/>
-              <a:pathLst>
-                <a:path w="8502592" h="0">
-                  <a:moveTo>
-                    <a:pt x="0" y="0"/>
-                  </a:moveTo>
-                  <a:lnTo>
-                    <a:pt x="8502592" y="0"/>
-                  </a:lnTo>
-                  <a:lnTo>
-                    <a:pt x="8502592" y="0"/>
+              <a:off x="1652822" y="4825027"/>
+              <a:ext cx="6340585" cy="0"/>
+            </a:xfrm>
+            <a:custGeom>
+              <a:avLst/>
+              <a:pathLst>
+                <a:path w="6340585" h="0">
+                  <a:moveTo>
+                    <a:pt x="0" y="0"/>
+                  </a:moveTo>
+                  <a:lnTo>
+                    <a:pt x="6340585" y="0"/>
+                  </a:lnTo>
+                  <a:lnTo>
+                    <a:pt x="6340585" y="0"/>
                   </a:lnTo>
                 </a:path>
               </a:pathLst>
@@ -8024,21 +8012,21 @@
           </p:nvSpPr>
           <p:spPr>
             <a:xfrm>
-              <a:off x="571818" y="3239881"/>
-              <a:ext cx="8502592" cy="0"/>
-            </a:xfrm>
-            <a:custGeom>
-              <a:avLst/>
-              <a:pathLst>
-                <a:path w="8502592" h="0">
-                  <a:moveTo>
-                    <a:pt x="0" y="0"/>
-                  </a:moveTo>
-                  <a:lnTo>
-                    <a:pt x="8502592" y="0"/>
-                  </a:lnTo>
-                  <a:lnTo>
-                    <a:pt x="8502592" y="0"/>
+              <a:off x="1652822" y="3239881"/>
+              <a:ext cx="6340585" cy="0"/>
+            </a:xfrm>
+            <a:custGeom>
+              <a:avLst/>
+              <a:pathLst>
+                <a:path w="6340585" h="0">
+                  <a:moveTo>
+                    <a:pt x="0" y="0"/>
+                  </a:moveTo>
+                  <a:lnTo>
+                    <a:pt x="6340585" y="0"/>
+                  </a:lnTo>
+                  <a:lnTo>
+                    <a:pt x="6340585" y="0"/>
                   </a:lnTo>
                 </a:path>
               </a:pathLst>
@@ -8067,21 +8055,21 @@
           </p:nvSpPr>
           <p:spPr>
             <a:xfrm>
-              <a:off x="571818" y="1654735"/>
-              <a:ext cx="8502592" cy="0"/>
-            </a:xfrm>
-            <a:custGeom>
-              <a:avLst/>
-              <a:pathLst>
-                <a:path w="8502592" h="0">
-                  <a:moveTo>
-                    <a:pt x="0" y="0"/>
-                  </a:moveTo>
-                  <a:lnTo>
-                    <a:pt x="8502592" y="0"/>
-                  </a:lnTo>
-                  <a:lnTo>
-                    <a:pt x="8502592" y="0"/>
+              <a:off x="1652822" y="1654735"/>
+              <a:ext cx="6340585" cy="0"/>
+            </a:xfrm>
+            <a:custGeom>
+              <a:avLst/>
+              <a:pathLst>
+                <a:path w="6340585" h="0">
+                  <a:moveTo>
+                    <a:pt x="0" y="0"/>
+                  </a:moveTo>
+                  <a:lnTo>
+                    <a:pt x="6340585" y="0"/>
+                  </a:lnTo>
+                  <a:lnTo>
+                    <a:pt x="6340585" y="0"/>
                   </a:lnTo>
                 </a:path>
               </a:pathLst>
@@ -8110,21 +8098,21 @@
           </p:nvSpPr>
           <p:spPr>
             <a:xfrm>
-              <a:off x="571818" y="69589"/>
-              <a:ext cx="8502592" cy="0"/>
-            </a:xfrm>
-            <a:custGeom>
-              <a:avLst/>
-              <a:pathLst>
-                <a:path w="8502592" h="0">
-                  <a:moveTo>
-                    <a:pt x="0" y="0"/>
-                  </a:moveTo>
-                  <a:lnTo>
-                    <a:pt x="8502592" y="0"/>
-                  </a:lnTo>
-                  <a:lnTo>
-                    <a:pt x="8502592" y="0"/>
+              <a:off x="1652822" y="69589"/>
+              <a:ext cx="6340585" cy="0"/>
+            </a:xfrm>
+            <a:custGeom>
+              <a:avLst/>
+              <a:pathLst>
+                <a:path w="6340585" h="0">
+                  <a:moveTo>
+                    <a:pt x="0" y="0"/>
+                  </a:moveTo>
+                  <a:lnTo>
+                    <a:pt x="6340585" y="0"/>
+                  </a:lnTo>
+                  <a:lnTo>
+                    <a:pt x="6340585" y="0"/>
                   </a:lnTo>
                 </a:path>
               </a:pathLst>
@@ -8153,7 +8141,7 @@
           </p:nvSpPr>
           <p:spPr>
             <a:xfrm>
-              <a:off x="571818" y="69589"/>
+              <a:off x="1652822" y="69589"/>
               <a:ext cx="0" cy="6340585"/>
             </a:xfrm>
             <a:custGeom>
@@ -8196,7 +8184,7 @@
           </p:nvSpPr>
           <p:spPr>
             <a:xfrm>
-              <a:off x="2697466" y="69589"/>
+              <a:off x="3237968" y="69589"/>
               <a:ext cx="0" cy="6340585"/>
             </a:xfrm>
             <a:custGeom>
@@ -8282,7 +8270,7 @@
           </p:nvSpPr>
           <p:spPr>
             <a:xfrm>
-              <a:off x="6948762" y="69589"/>
+              <a:off x="6408261" y="69589"/>
               <a:ext cx="0" cy="6340585"/>
             </a:xfrm>
             <a:custGeom>
@@ -8325,7 +8313,7 @@
           </p:nvSpPr>
           <p:spPr>
             <a:xfrm>
-              <a:off x="9074410" y="69589"/>
+              <a:off x="7993407" y="69589"/>
               <a:ext cx="0" cy="6340585"/>
             </a:xfrm>
             <a:custGeom>
@@ -8368,33 +8356,33 @@
           </p:nvSpPr>
           <p:spPr>
             <a:xfrm>
-              <a:off x="571818" y="69589"/>
-              <a:ext cx="8502592" cy="6340585"/>
-            </a:xfrm>
-            <a:custGeom>
-              <a:avLst/>
-              <a:pathLst>
-                <a:path w="8502592" h="6340585">
+              <a:off x="1652822" y="69589"/>
+              <a:ext cx="6340585" cy="6340585"/>
+            </a:xfrm>
+            <a:custGeom>
+              <a:avLst/>
+              <a:pathLst>
+                <a:path w="6340585" h="6340585">
                   <a:moveTo>
                     <a:pt x="0" y="6340585"/>
                   </a:moveTo>
                   <a:lnTo>
-                    <a:pt x="2230061" y="4071529"/>
-                  </a:lnTo>
-                  <a:lnTo>
-                    <a:pt x="4379698" y="2126625"/>
-                  </a:lnTo>
-                  <a:lnTo>
-                    <a:pt x="6465576" y="721972"/>
-                  </a:lnTo>
-                  <a:lnTo>
-                    <a:pt x="8502592" y="0"/>
-                  </a:lnTo>
-                  <a:lnTo>
-                    <a:pt x="8502592" y="0"/>
-                  </a:lnTo>
-                  <a:lnTo>
-                    <a:pt x="8502592" y="0"/>
+                    <a:pt x="1663010" y="4071529"/>
+                  </a:lnTo>
+                  <a:lnTo>
+                    <a:pt x="3266045" y="2126625"/>
+                  </a:lnTo>
+                  <a:lnTo>
+                    <a:pt x="4821533" y="721972"/>
+                  </a:lnTo>
+                  <a:lnTo>
+                    <a:pt x="6340585" y="0"/>
+                  </a:lnTo>
+                  <a:lnTo>
+                    <a:pt x="6340585" y="0"/>
+                  </a:lnTo>
+                  <a:lnTo>
+                    <a:pt x="6340585" y="0"/>
                   </a:lnTo>
                 </a:path>
               </a:pathLst>
@@ -8423,33 +8411,33 @@
           </p:nvSpPr>
           <p:spPr>
             <a:xfrm>
-              <a:off x="571818" y="69589"/>
-              <a:ext cx="8502592" cy="6340585"/>
-            </a:xfrm>
-            <a:custGeom>
-              <a:avLst/>
-              <a:pathLst>
-                <a:path w="8502592" h="6340585">
+              <a:off x="1652822" y="69589"/>
+              <a:ext cx="6340585" cy="6340585"/>
+            </a:xfrm>
+            <a:custGeom>
+              <a:avLst/>
+              <a:pathLst>
+                <a:path w="6340585" h="6340585">
                   <a:moveTo>
                     <a:pt x="0" y="6340585"/>
                   </a:moveTo>
                   <a:lnTo>
-                    <a:pt x="2150773" y="3261152"/>
-                  </a:lnTo>
-                  <a:lnTo>
-                    <a:pt x="4375153" y="1443944"/>
-                  </a:lnTo>
-                  <a:lnTo>
-                    <a:pt x="6551809" y="309416"/>
-                  </a:lnTo>
-                  <a:lnTo>
-                    <a:pt x="8502592" y="0"/>
-                  </a:lnTo>
-                  <a:lnTo>
-                    <a:pt x="8502592" y="0"/>
-                  </a:lnTo>
-                  <a:lnTo>
-                    <a:pt x="8502592" y="0"/>
+                    <a:pt x="1603882" y="3261152"/>
+                  </a:lnTo>
+                  <a:lnTo>
+                    <a:pt x="3262655" y="1443944"/>
+                  </a:lnTo>
+                  <a:lnTo>
+                    <a:pt x="4885839" y="309416"/>
+                  </a:lnTo>
+                  <a:lnTo>
+                    <a:pt x="6340585" y="0"/>
+                  </a:lnTo>
+                  <a:lnTo>
+                    <a:pt x="6340585" y="0"/>
+                  </a:lnTo>
+                  <a:lnTo>
+                    <a:pt x="6340585" y="0"/>
                   </a:lnTo>
                 </a:path>
               </a:pathLst>
@@ -8478,33 +8466,33 @@
           </p:nvSpPr>
           <p:spPr>
             <a:xfrm>
-              <a:off x="571818" y="69589"/>
-              <a:ext cx="8502592" cy="6340585"/>
-            </a:xfrm>
-            <a:custGeom>
-              <a:avLst/>
-              <a:pathLst>
-                <a:path w="8502592" h="6340585">
+              <a:off x="1652822" y="69589"/>
+              <a:ext cx="6340585" cy="6340585"/>
+            </a:xfrm>
+            <a:custGeom>
+              <a:avLst/>
+              <a:pathLst>
+                <a:path w="6340585" h="6340585">
                   <a:moveTo>
                     <a:pt x="0" y="6340585"/>
                   </a:moveTo>
                   <a:lnTo>
-                    <a:pt x="2223117" y="4189402"/>
-                  </a:lnTo>
-                  <a:lnTo>
-                    <a:pt x="4337150" y="2131536"/>
-                  </a:lnTo>
-                  <a:lnTo>
-                    <a:pt x="6420881" y="780908"/>
-                  </a:lnTo>
-                  <a:lnTo>
-                    <a:pt x="8502592" y="0"/>
-                  </a:lnTo>
-                  <a:lnTo>
-                    <a:pt x="8502592" y="0"/>
-                  </a:lnTo>
-                  <a:lnTo>
-                    <a:pt x="8502592" y="0"/>
+                    <a:pt x="1657831" y="4189402"/>
+                  </a:lnTo>
+                  <a:lnTo>
+                    <a:pt x="3234315" y="2131536"/>
+                  </a:lnTo>
+                  <a:lnTo>
+                    <a:pt x="4788203" y="780908"/>
+                  </a:lnTo>
+                  <a:lnTo>
+                    <a:pt x="6340585" y="0"/>
+                  </a:lnTo>
+                  <a:lnTo>
+                    <a:pt x="6340585" y="0"/>
+                  </a:lnTo>
+                  <a:lnTo>
+                    <a:pt x="6340585" y="0"/>
                   </a:lnTo>
                 </a:path>
               </a:pathLst>
@@ -8533,33 +8521,33 @@
           </p:nvSpPr>
           <p:spPr>
             <a:xfrm>
-              <a:off x="571818" y="69589"/>
-              <a:ext cx="8502592" cy="6340585"/>
-            </a:xfrm>
-            <a:custGeom>
-              <a:avLst/>
-              <a:pathLst>
-                <a:path w="8502592" h="6340585">
+              <a:off x="1652822" y="69589"/>
+              <a:ext cx="6340585" cy="6340585"/>
+            </a:xfrm>
+            <a:custGeom>
+              <a:avLst/>
+              <a:pathLst>
+                <a:path w="6340585" h="6340585">
                   <a:moveTo>
                     <a:pt x="0" y="6340585"/>
                   </a:moveTo>
                   <a:lnTo>
-                    <a:pt x="2217815" y="4071529"/>
-                  </a:lnTo>
-                  <a:lnTo>
-                    <a:pt x="4413535" y="1925258"/>
-                  </a:lnTo>
-                  <a:lnTo>
-                    <a:pt x="6565444" y="559896"/>
-                  </a:lnTo>
-                  <a:lnTo>
-                    <a:pt x="8502592" y="0"/>
-                  </a:lnTo>
-                  <a:lnTo>
-                    <a:pt x="8502592" y="0"/>
-                  </a:lnTo>
-                  <a:lnTo>
-                    <a:pt x="8502592" y="0"/>
+                    <a:pt x="1653877" y="4071529"/>
+                  </a:lnTo>
+                  <a:lnTo>
+                    <a:pt x="3291278" y="1925258"/>
+                  </a:lnTo>
+                  <a:lnTo>
+                    <a:pt x="4896007" y="559896"/>
+                  </a:lnTo>
+                  <a:lnTo>
+                    <a:pt x="6340585" y="0"/>
+                  </a:lnTo>
+                  <a:lnTo>
+                    <a:pt x="6340585" y="0"/>
+                  </a:lnTo>
+                  <a:lnTo>
+                    <a:pt x="6340585" y="0"/>
                   </a:lnTo>
                 </a:path>
               </a:pathLst>
@@ -8588,22 +8576,16 @@
           </p:nvSpPr>
           <p:spPr>
             <a:xfrm>
-              <a:off x="571818" y="69589"/>
-              <a:ext cx="8502592" cy="6340585"/>
-            </a:xfrm>
-            <a:custGeom>
-              <a:avLst/>
-              <a:pathLst>
-                <a:path w="8502592" h="6340585">
-                  <a:moveTo>
-                    <a:pt x="0" y="6340585"/>
-                  </a:moveTo>
-                  <a:lnTo>
-                    <a:pt x="8502592" y="0"/>
-                  </a:lnTo>
-                  <a:lnTo>
-                    <a:pt x="8502592" y="0"/>
-                  </a:lnTo>
+              <a:off x="1652822" y="6410174"/>
+              <a:ext cx="0" cy="0"/>
+            </a:xfrm>
+            <a:custGeom>
+              <a:avLst/>
+              <a:pathLst>
+                <a:path w="0" h="0">
+                  <a:moveTo>
+                    <a:pt x="0" y="0"/>
+                  </a:moveTo>
                 </a:path>
               </a:pathLst>
             </a:custGeom>
@@ -8631,8 +8613,8 @@
           </p:nvSpPr>
           <p:spPr>
             <a:xfrm>
-              <a:off x="571818" y="69589"/>
-              <a:ext cx="8502592" cy="6340585"/>
+              <a:off x="1652822" y="69589"/>
+              <a:ext cx="6340585" cy="6340585"/>
             </a:xfrm>
             <a:prstGeom prst="rect">
               <a:avLst/>
@@ -8661,7 +8643,7 @@
           </p:nvSpPr>
           <p:spPr>
             <a:xfrm>
-              <a:off x="260471" y="6363128"/>
+              <a:off x="1341475" y="6363128"/>
               <a:ext cx="248716" cy="94091"/>
             </a:xfrm>
             <a:prstGeom prst="rect">
@@ -8707,7 +8689,7 @@
           </p:nvSpPr>
           <p:spPr>
             <a:xfrm>
-              <a:off x="260471" y="4777981"/>
+              <a:off x="1341475" y="4777981"/>
               <a:ext cx="248716" cy="94091"/>
             </a:xfrm>
             <a:prstGeom prst="rect">
@@ -8753,7 +8735,7 @@
           </p:nvSpPr>
           <p:spPr>
             <a:xfrm>
-              <a:off x="260471" y="3192835"/>
+              <a:off x="1341475" y="3192835"/>
               <a:ext cx="248716" cy="94091"/>
             </a:xfrm>
             <a:prstGeom prst="rect">
@@ -8799,7 +8781,7 @@
           </p:nvSpPr>
           <p:spPr>
             <a:xfrm>
-              <a:off x="260471" y="1607689"/>
+              <a:off x="1341475" y="1607689"/>
               <a:ext cx="248716" cy="94091"/>
             </a:xfrm>
             <a:prstGeom prst="rect">
@@ -8845,7 +8827,7 @@
           </p:nvSpPr>
           <p:spPr>
             <a:xfrm>
-              <a:off x="260471" y="22543"/>
+              <a:off x="1341475" y="22543"/>
               <a:ext cx="248716" cy="94091"/>
             </a:xfrm>
             <a:prstGeom prst="rect">
@@ -8891,7 +8873,7 @@
           </p:nvSpPr>
           <p:spPr>
             <a:xfrm>
-              <a:off x="537024" y="6410174"/>
+              <a:off x="1618027" y="6410174"/>
               <a:ext cx="34794" cy="0"/>
             </a:xfrm>
             <a:custGeom>
@@ -8931,7 +8913,7 @@
           </p:nvSpPr>
           <p:spPr>
             <a:xfrm>
-              <a:off x="537024" y="4825027"/>
+              <a:off x="1618027" y="4825027"/>
               <a:ext cx="34794" cy="0"/>
             </a:xfrm>
             <a:custGeom>
@@ -8971,7 +8953,7 @@
           </p:nvSpPr>
           <p:spPr>
             <a:xfrm>
-              <a:off x="537024" y="3239881"/>
+              <a:off x="1618027" y="3239881"/>
               <a:ext cx="34794" cy="0"/>
             </a:xfrm>
             <a:custGeom>
@@ -9011,7 +8993,7 @@
           </p:nvSpPr>
           <p:spPr>
             <a:xfrm>
-              <a:off x="537024" y="1654735"/>
+              <a:off x="1618027" y="1654735"/>
               <a:ext cx="34794" cy="0"/>
             </a:xfrm>
             <a:custGeom>
@@ -9051,7 +9033,7 @@
           </p:nvSpPr>
           <p:spPr>
             <a:xfrm>
-              <a:off x="537024" y="69589"/>
+              <a:off x="1618027" y="69589"/>
               <a:ext cx="34794" cy="0"/>
             </a:xfrm>
             <a:custGeom>
@@ -9091,7 +9073,7 @@
           </p:nvSpPr>
           <p:spPr>
             <a:xfrm>
-              <a:off x="571818" y="6410174"/>
+              <a:off x="1652822" y="6410174"/>
               <a:ext cx="0" cy="34794"/>
             </a:xfrm>
             <a:custGeom>
@@ -9131,7 +9113,7 @@
           </p:nvSpPr>
           <p:spPr>
             <a:xfrm>
-              <a:off x="2697466" y="6410174"/>
+              <a:off x="3237968" y="6410174"/>
               <a:ext cx="0" cy="34794"/>
             </a:xfrm>
             <a:custGeom>
@@ -9211,7 +9193,7 @@
           </p:nvSpPr>
           <p:spPr>
             <a:xfrm>
-              <a:off x="6948762" y="6410174"/>
+              <a:off x="6408261" y="6410174"/>
               <a:ext cx="0" cy="34794"/>
             </a:xfrm>
             <a:custGeom>
@@ -9251,7 +9233,7 @@
           </p:nvSpPr>
           <p:spPr>
             <a:xfrm>
-              <a:off x="9074410" y="6410174"/>
+              <a:off x="7993407" y="6410174"/>
               <a:ext cx="0" cy="34794"/>
             </a:xfrm>
             <a:custGeom>
@@ -9291,7 +9273,7 @@
           </p:nvSpPr>
           <p:spPr>
             <a:xfrm>
-              <a:off x="447460" y="6472804"/>
+              <a:off x="1528463" y="6472804"/>
               <a:ext cx="248716" cy="94091"/>
             </a:xfrm>
             <a:prstGeom prst="rect">
@@ -9337,7 +9319,7 @@
           </p:nvSpPr>
           <p:spPr>
             <a:xfrm>
-              <a:off x="2573108" y="6472804"/>
+              <a:off x="3113610" y="6472804"/>
               <a:ext cx="248716" cy="94091"/>
             </a:xfrm>
             <a:prstGeom prst="rect">
@@ -9429,7 +9411,7 @@
           </p:nvSpPr>
           <p:spPr>
             <a:xfrm>
-              <a:off x="6824404" y="6472804"/>
+              <a:off x="6283902" y="6472804"/>
               <a:ext cx="248716" cy="94091"/>
             </a:xfrm>
             <a:prstGeom prst="rect">
@@ -9475,7 +9457,7 @@
           </p:nvSpPr>
           <p:spPr>
             <a:xfrm>
-              <a:off x="8950052" y="6472804"/>
+              <a:off x="7869048" y="6472804"/>
               <a:ext cx="248716" cy="94091"/>
             </a:xfrm>
             <a:prstGeom prst="rect">
@@ -9567,7 +9549,7 @@
           </p:nvSpPr>
           <p:spPr>
             <a:xfrm rot="-5400000">
-              <a:off x="-251822" y="3181039"/>
+              <a:off x="829181" y="3181039"/>
               <a:ext cx="760506" cy="117683"/>
             </a:xfrm>
             <a:prstGeom prst="rect">
@@ -9613,7 +9595,7 @@
           </p:nvSpPr>
           <p:spPr>
             <a:xfrm>
-              <a:off x="6342901" y="4633556"/>
+              <a:off x="5694299" y="4633556"/>
               <a:ext cx="2061981" cy="1017002"/>
             </a:xfrm>
             <a:prstGeom prst="rect">
@@ -9639,8 +9621,8 @@
           </p:nvSpPr>
           <p:spPr>
             <a:xfrm>
-              <a:off x="6412490" y="4703145"/>
-              <a:ext cx="219456" cy="219455"/>
+              <a:off x="5763888" y="4703145"/>
+              <a:ext cx="219455" cy="219455"/>
             </a:xfrm>
             <a:prstGeom prst="rect">
               <a:avLst/>
@@ -9665,7 +9647,7 @@
           </p:nvSpPr>
           <p:spPr>
             <a:xfrm>
-              <a:off x="6434436" y="4812873"/>
+              <a:off x="5785834" y="4812873"/>
               <a:ext cx="175564" cy="0"/>
             </a:xfrm>
             <a:custGeom>
@@ -9705,8 +9687,8 @@
           </p:nvSpPr>
           <p:spPr>
             <a:xfrm>
-              <a:off x="6412490" y="4922601"/>
-              <a:ext cx="219456" cy="219455"/>
+              <a:off x="5763888" y="4922601"/>
+              <a:ext cx="219455" cy="219455"/>
             </a:xfrm>
             <a:prstGeom prst="rect">
               <a:avLst/>
@@ -9731,7 +9713,7 @@
           </p:nvSpPr>
           <p:spPr>
             <a:xfrm>
-              <a:off x="6434436" y="5032329"/>
+              <a:off x="5785834" y="5032329"/>
               <a:ext cx="175564" cy="0"/>
             </a:xfrm>
             <a:custGeom>
@@ -9771,8 +9753,8 @@
           </p:nvSpPr>
           <p:spPr>
             <a:xfrm>
-              <a:off x="6412490" y="5142057"/>
-              <a:ext cx="219456" cy="219455"/>
+              <a:off x="5763888" y="5142057"/>
+              <a:ext cx="219455" cy="219455"/>
             </a:xfrm>
             <a:prstGeom prst="rect">
               <a:avLst/>
@@ -9797,7 +9779,7 @@
           </p:nvSpPr>
           <p:spPr>
             <a:xfrm>
-              <a:off x="6434436" y="5251785"/>
+              <a:off x="5785834" y="5251785"/>
               <a:ext cx="175564" cy="0"/>
             </a:xfrm>
             <a:custGeom>
@@ -9837,8 +9819,8 @@
           </p:nvSpPr>
           <p:spPr>
             <a:xfrm>
-              <a:off x="6412490" y="5361513"/>
-              <a:ext cx="219456" cy="219455"/>
+              <a:off x="5763888" y="5361513"/>
+              <a:ext cx="219455" cy="219455"/>
             </a:xfrm>
             <a:prstGeom prst="rect">
               <a:avLst/>
@@ -9863,7 +9845,7 @@
           </p:nvSpPr>
           <p:spPr>
             <a:xfrm>
-              <a:off x="6434436" y="5471241"/>
+              <a:off x="5785834" y="5471241"/>
               <a:ext cx="175564" cy="0"/>
             </a:xfrm>
             <a:custGeom>
@@ -9903,7 +9885,7 @@
           </p:nvSpPr>
           <p:spPr>
             <a:xfrm>
-              <a:off x="6701535" y="4762398"/>
+              <a:off x="6052933" y="4762398"/>
               <a:ext cx="1235720" cy="100949"/>
             </a:xfrm>
             <a:prstGeom prst="rect">
@@ -9949,7 +9931,7 @@
           </p:nvSpPr>
           <p:spPr>
             <a:xfrm>
-              <a:off x="6701535" y="4981854"/>
+              <a:off x="6052933" y="4981854"/>
               <a:ext cx="1633758" cy="100949"/>
             </a:xfrm>
             <a:prstGeom prst="rect">
@@ -9995,7 +9977,7 @@
           </p:nvSpPr>
           <p:spPr>
             <a:xfrm>
-              <a:off x="6701535" y="5201310"/>
+              <a:off x="6052933" y="5201310"/>
               <a:ext cx="1206825" cy="100949"/>
             </a:xfrm>
             <a:prstGeom prst="rect">
@@ -10041,7 +10023,7 @@
           </p:nvSpPr>
           <p:spPr>
             <a:xfrm>
-              <a:off x="6701535" y="5420766"/>
+              <a:off x="6052933" y="5420766"/>
               <a:ext cx="1576517" cy="100949"/>
             </a:xfrm>
             <a:prstGeom prst="rect">
@@ -10162,8 +10144,8 @@
           </p:nvSpPr>
           <p:spPr>
             <a:xfrm>
-              <a:off x="0" y="0"/>
-              <a:ext cx="9143999" cy="6858000"/>
+              <a:off x="1081003" y="0"/>
+              <a:ext cx="6981992" cy="6858000"/>
             </a:xfrm>
             <a:prstGeom prst="rect">
               <a:avLst/>
@@ -10197,8 +10179,8 @@
           </p:nvSpPr>
           <p:spPr>
             <a:xfrm>
-              <a:off x="571818" y="69589"/>
-              <a:ext cx="8502592" cy="6340585"/>
+              <a:off x="1652822" y="69589"/>
+              <a:ext cx="6340585" cy="6340585"/>
             </a:xfrm>
             <a:prstGeom prst="rect">
               <a:avLst/>
@@ -10223,21 +10205,21 @@
           </p:nvSpPr>
           <p:spPr>
             <a:xfrm>
-              <a:off x="571818" y="5617600"/>
-              <a:ext cx="8502592" cy="0"/>
-            </a:xfrm>
-            <a:custGeom>
-              <a:avLst/>
-              <a:pathLst>
-                <a:path w="8502592" h="0">
-                  <a:moveTo>
-                    <a:pt x="0" y="0"/>
-                  </a:moveTo>
-                  <a:lnTo>
-                    <a:pt x="8502592" y="0"/>
-                  </a:lnTo>
-                  <a:lnTo>
-                    <a:pt x="8502592" y="0"/>
+              <a:off x="1652822" y="5617600"/>
+              <a:ext cx="6340585" cy="0"/>
+            </a:xfrm>
+            <a:custGeom>
+              <a:avLst/>
+              <a:pathLst>
+                <a:path w="6340585" h="0">
+                  <a:moveTo>
+                    <a:pt x="0" y="0"/>
+                  </a:moveTo>
+                  <a:lnTo>
+                    <a:pt x="6340585" y="0"/>
+                  </a:lnTo>
+                  <a:lnTo>
+                    <a:pt x="6340585" y="0"/>
                   </a:lnTo>
                 </a:path>
               </a:pathLst>
@@ -10266,21 +10248,21 @@
           </p:nvSpPr>
           <p:spPr>
             <a:xfrm>
-              <a:off x="571818" y="4032454"/>
-              <a:ext cx="8502592" cy="0"/>
-            </a:xfrm>
-            <a:custGeom>
-              <a:avLst/>
-              <a:pathLst>
-                <a:path w="8502592" h="0">
-                  <a:moveTo>
-                    <a:pt x="0" y="0"/>
-                  </a:moveTo>
-                  <a:lnTo>
-                    <a:pt x="8502592" y="0"/>
-                  </a:lnTo>
-                  <a:lnTo>
-                    <a:pt x="8502592" y="0"/>
+              <a:off x="1652822" y="4032454"/>
+              <a:ext cx="6340585" cy="0"/>
+            </a:xfrm>
+            <a:custGeom>
+              <a:avLst/>
+              <a:pathLst>
+                <a:path w="6340585" h="0">
+                  <a:moveTo>
+                    <a:pt x="0" y="0"/>
+                  </a:moveTo>
+                  <a:lnTo>
+                    <a:pt x="6340585" y="0"/>
+                  </a:lnTo>
+                  <a:lnTo>
+                    <a:pt x="6340585" y="0"/>
                   </a:lnTo>
                 </a:path>
               </a:pathLst>
@@ -10309,21 +10291,21 @@
           </p:nvSpPr>
           <p:spPr>
             <a:xfrm>
-              <a:off x="571818" y="2447308"/>
-              <a:ext cx="8502592" cy="0"/>
-            </a:xfrm>
-            <a:custGeom>
-              <a:avLst/>
-              <a:pathLst>
-                <a:path w="8502592" h="0">
-                  <a:moveTo>
-                    <a:pt x="0" y="0"/>
-                  </a:moveTo>
-                  <a:lnTo>
-                    <a:pt x="8502592" y="0"/>
-                  </a:lnTo>
-                  <a:lnTo>
-                    <a:pt x="8502592" y="0"/>
+              <a:off x="1652822" y="2447308"/>
+              <a:ext cx="6340585" cy="0"/>
+            </a:xfrm>
+            <a:custGeom>
+              <a:avLst/>
+              <a:pathLst>
+                <a:path w="6340585" h="0">
+                  <a:moveTo>
+                    <a:pt x="0" y="0"/>
+                  </a:moveTo>
+                  <a:lnTo>
+                    <a:pt x="6340585" y="0"/>
+                  </a:lnTo>
+                  <a:lnTo>
+                    <a:pt x="6340585" y="0"/>
                   </a:lnTo>
                 </a:path>
               </a:pathLst>
@@ -10352,21 +10334,21 @@
           </p:nvSpPr>
           <p:spPr>
             <a:xfrm>
-              <a:off x="571818" y="862162"/>
-              <a:ext cx="8502592" cy="0"/>
-            </a:xfrm>
-            <a:custGeom>
-              <a:avLst/>
-              <a:pathLst>
-                <a:path w="8502592" h="0">
-                  <a:moveTo>
-                    <a:pt x="0" y="0"/>
-                  </a:moveTo>
-                  <a:lnTo>
-                    <a:pt x="8502592" y="0"/>
-                  </a:lnTo>
-                  <a:lnTo>
-                    <a:pt x="8502592" y="0"/>
+              <a:off x="1652822" y="862162"/>
+              <a:ext cx="6340585" cy="0"/>
+            </a:xfrm>
+            <a:custGeom>
+              <a:avLst/>
+              <a:pathLst>
+                <a:path w="6340585" h="0">
+                  <a:moveTo>
+                    <a:pt x="0" y="0"/>
+                  </a:moveTo>
+                  <a:lnTo>
+                    <a:pt x="6340585" y="0"/>
+                  </a:lnTo>
+                  <a:lnTo>
+                    <a:pt x="6340585" y="0"/>
                   </a:lnTo>
                 </a:path>
               </a:pathLst>
@@ -10395,7 +10377,7 @@
           </p:nvSpPr>
           <p:spPr>
             <a:xfrm>
-              <a:off x="1634642" y="69589"/>
+              <a:off x="2445395" y="69589"/>
               <a:ext cx="0" cy="6340585"/>
             </a:xfrm>
             <a:custGeom>
@@ -10438,7 +10420,7 @@
           </p:nvSpPr>
           <p:spPr>
             <a:xfrm>
-              <a:off x="3760290" y="69589"/>
+              <a:off x="4030541" y="69589"/>
               <a:ext cx="0" cy="6340585"/>
             </a:xfrm>
             <a:custGeom>
@@ -10481,7 +10463,7 @@
           </p:nvSpPr>
           <p:spPr>
             <a:xfrm>
-              <a:off x="5885938" y="69589"/>
+              <a:off x="5615687" y="69589"/>
               <a:ext cx="0" cy="6340585"/>
             </a:xfrm>
             <a:custGeom>
@@ -10524,7 +10506,7 @@
           </p:nvSpPr>
           <p:spPr>
             <a:xfrm>
-              <a:off x="8011586" y="69589"/>
+              <a:off x="7200834" y="69589"/>
               <a:ext cx="0" cy="6340585"/>
             </a:xfrm>
             <a:custGeom>
@@ -10567,21 +10549,21 @@
           </p:nvSpPr>
           <p:spPr>
             <a:xfrm>
-              <a:off x="571818" y="6410174"/>
-              <a:ext cx="8502592" cy="0"/>
-            </a:xfrm>
-            <a:custGeom>
-              <a:avLst/>
-              <a:pathLst>
-                <a:path w="8502592" h="0">
-                  <a:moveTo>
-                    <a:pt x="0" y="0"/>
-                  </a:moveTo>
-                  <a:lnTo>
-                    <a:pt x="8502592" y="0"/>
-                  </a:lnTo>
-                  <a:lnTo>
-                    <a:pt x="8502592" y="0"/>
+              <a:off x="1652822" y="6410174"/>
+              <a:ext cx="6340585" cy="0"/>
+            </a:xfrm>
+            <a:custGeom>
+              <a:avLst/>
+              <a:pathLst>
+                <a:path w="6340585" h="0">
+                  <a:moveTo>
+                    <a:pt x="0" y="0"/>
+                  </a:moveTo>
+                  <a:lnTo>
+                    <a:pt x="6340585" y="0"/>
+                  </a:lnTo>
+                  <a:lnTo>
+                    <a:pt x="6340585" y="0"/>
                   </a:lnTo>
                 </a:path>
               </a:pathLst>
@@ -10610,21 +10592,21 @@
           </p:nvSpPr>
           <p:spPr>
             <a:xfrm>
-              <a:off x="571818" y="4825027"/>
-              <a:ext cx="8502592" cy="0"/>
-            </a:xfrm>
-            <a:custGeom>
-              <a:avLst/>
-              <a:pathLst>
-                <a:path w="8502592" h="0">
-                  <a:moveTo>
-                    <a:pt x="0" y="0"/>
-                  </a:moveTo>
-                  <a:lnTo>
-                    <a:pt x="8502592" y="0"/>
-                  </a:lnTo>
-                  <a:lnTo>
-                    <a:pt x="8502592" y="0"/>
+              <a:off x="1652822" y="4825027"/>
+              <a:ext cx="6340585" cy="0"/>
+            </a:xfrm>
+            <a:custGeom>
+              <a:avLst/>
+              <a:pathLst>
+                <a:path w="6340585" h="0">
+                  <a:moveTo>
+                    <a:pt x="0" y="0"/>
+                  </a:moveTo>
+                  <a:lnTo>
+                    <a:pt x="6340585" y="0"/>
+                  </a:lnTo>
+                  <a:lnTo>
+                    <a:pt x="6340585" y="0"/>
                   </a:lnTo>
                 </a:path>
               </a:pathLst>
@@ -10653,21 +10635,21 @@
           </p:nvSpPr>
           <p:spPr>
             <a:xfrm>
-              <a:off x="571818" y="3239881"/>
-              <a:ext cx="8502592" cy="0"/>
-            </a:xfrm>
-            <a:custGeom>
-              <a:avLst/>
-              <a:pathLst>
-                <a:path w="8502592" h="0">
-                  <a:moveTo>
-                    <a:pt x="0" y="0"/>
-                  </a:moveTo>
-                  <a:lnTo>
-                    <a:pt x="8502592" y="0"/>
-                  </a:lnTo>
-                  <a:lnTo>
-                    <a:pt x="8502592" y="0"/>
+              <a:off x="1652822" y="3239881"/>
+              <a:ext cx="6340585" cy="0"/>
+            </a:xfrm>
+            <a:custGeom>
+              <a:avLst/>
+              <a:pathLst>
+                <a:path w="6340585" h="0">
+                  <a:moveTo>
+                    <a:pt x="0" y="0"/>
+                  </a:moveTo>
+                  <a:lnTo>
+                    <a:pt x="6340585" y="0"/>
+                  </a:lnTo>
+                  <a:lnTo>
+                    <a:pt x="6340585" y="0"/>
                   </a:lnTo>
                 </a:path>
               </a:pathLst>
@@ -10696,21 +10678,21 @@
           </p:nvSpPr>
           <p:spPr>
             <a:xfrm>
-              <a:off x="571818" y="1654735"/>
-              <a:ext cx="8502592" cy="0"/>
-            </a:xfrm>
-            <a:custGeom>
-              <a:avLst/>
-              <a:pathLst>
-                <a:path w="8502592" h="0">
-                  <a:moveTo>
-                    <a:pt x="0" y="0"/>
-                  </a:moveTo>
-                  <a:lnTo>
-                    <a:pt x="8502592" y="0"/>
-                  </a:lnTo>
-                  <a:lnTo>
-                    <a:pt x="8502592" y="0"/>
+              <a:off x="1652822" y="1654735"/>
+              <a:ext cx="6340585" cy="0"/>
+            </a:xfrm>
+            <a:custGeom>
+              <a:avLst/>
+              <a:pathLst>
+                <a:path w="6340585" h="0">
+                  <a:moveTo>
+                    <a:pt x="0" y="0"/>
+                  </a:moveTo>
+                  <a:lnTo>
+                    <a:pt x="6340585" y="0"/>
+                  </a:lnTo>
+                  <a:lnTo>
+                    <a:pt x="6340585" y="0"/>
                   </a:lnTo>
                 </a:path>
               </a:pathLst>
@@ -10739,21 +10721,21 @@
           </p:nvSpPr>
           <p:spPr>
             <a:xfrm>
-              <a:off x="571818" y="69589"/>
-              <a:ext cx="8502592" cy="0"/>
-            </a:xfrm>
-            <a:custGeom>
-              <a:avLst/>
-              <a:pathLst>
-                <a:path w="8502592" h="0">
-                  <a:moveTo>
-                    <a:pt x="0" y="0"/>
-                  </a:moveTo>
-                  <a:lnTo>
-                    <a:pt x="8502592" y="0"/>
-                  </a:lnTo>
-                  <a:lnTo>
-                    <a:pt x="8502592" y="0"/>
+              <a:off x="1652822" y="69589"/>
+              <a:ext cx="6340585" cy="0"/>
+            </a:xfrm>
+            <a:custGeom>
+              <a:avLst/>
+              <a:pathLst>
+                <a:path w="6340585" h="0">
+                  <a:moveTo>
+                    <a:pt x="0" y="0"/>
+                  </a:moveTo>
+                  <a:lnTo>
+                    <a:pt x="6340585" y="0"/>
+                  </a:lnTo>
+                  <a:lnTo>
+                    <a:pt x="6340585" y="0"/>
                   </a:lnTo>
                 </a:path>
               </a:pathLst>
@@ -10782,7 +10764,7 @@
           </p:nvSpPr>
           <p:spPr>
             <a:xfrm>
-              <a:off x="571818" y="69589"/>
+              <a:off x="1652822" y="69589"/>
               <a:ext cx="0" cy="6340585"/>
             </a:xfrm>
             <a:custGeom>
@@ -10825,7 +10807,7 @@
           </p:nvSpPr>
           <p:spPr>
             <a:xfrm>
-              <a:off x="2697466" y="69589"/>
+              <a:off x="3237968" y="69589"/>
               <a:ext cx="0" cy="6340585"/>
             </a:xfrm>
             <a:custGeom>
@@ -10911,7 +10893,7 @@
           </p:nvSpPr>
           <p:spPr>
             <a:xfrm>
-              <a:off x="6948762" y="69589"/>
+              <a:off x="6408261" y="69589"/>
               <a:ext cx="0" cy="6340585"/>
             </a:xfrm>
             <a:custGeom>
@@ -10954,7 +10936,7 @@
           </p:nvSpPr>
           <p:spPr>
             <a:xfrm>
-              <a:off x="9074410" y="69589"/>
+              <a:off x="7993407" y="69589"/>
               <a:ext cx="0" cy="6340585"/>
             </a:xfrm>
             <a:custGeom>
@@ -10997,33 +10979,33 @@
           </p:nvSpPr>
           <p:spPr>
             <a:xfrm>
-              <a:off x="571818" y="69589"/>
-              <a:ext cx="8502592" cy="6340585"/>
-            </a:xfrm>
-            <a:custGeom>
-              <a:avLst/>
-              <a:pathLst>
-                <a:path w="8502592" h="6340585">
+              <a:off x="1652822" y="69589"/>
+              <a:ext cx="6340585" cy="6340585"/>
+            </a:xfrm>
+            <a:custGeom>
+              <a:avLst/>
+              <a:pathLst>
+                <a:path w="6340585" h="6340585">
                   <a:moveTo>
                     <a:pt x="0" y="6340585"/>
                   </a:moveTo>
                   <a:lnTo>
-                    <a:pt x="2238998" y="4160697"/>
-                  </a:lnTo>
-                  <a:lnTo>
-                    <a:pt x="4394469" y="2329194"/>
-                  </a:lnTo>
-                  <a:lnTo>
-                    <a:pt x="6477290" y="836121"/>
-                  </a:lnTo>
-                  <a:lnTo>
-                    <a:pt x="8502592" y="0"/>
-                  </a:lnTo>
-                  <a:lnTo>
-                    <a:pt x="8502592" y="0"/>
-                  </a:lnTo>
-                  <a:lnTo>
-                    <a:pt x="8502592" y="0"/>
+                    <a:pt x="1669674" y="4160697"/>
+                  </a:lnTo>
+                  <a:lnTo>
+                    <a:pt x="3277059" y="2329194"/>
+                  </a:lnTo>
+                  <a:lnTo>
+                    <a:pt x="4830269" y="836121"/>
+                  </a:lnTo>
+                  <a:lnTo>
+                    <a:pt x="6340585" y="0"/>
+                  </a:lnTo>
+                  <a:lnTo>
+                    <a:pt x="6340585" y="0"/>
+                  </a:lnTo>
+                  <a:lnTo>
+                    <a:pt x="6340585" y="0"/>
                   </a:lnTo>
                 </a:path>
               </a:pathLst>
@@ -11052,33 +11034,33 @@
           </p:nvSpPr>
           <p:spPr>
             <a:xfrm>
-              <a:off x="571818" y="69589"/>
-              <a:ext cx="8502592" cy="6340585"/>
-            </a:xfrm>
-            <a:custGeom>
-              <a:avLst/>
-              <a:pathLst>
-                <a:path w="8502592" h="6340585">
+              <a:off x="1652822" y="69589"/>
+              <a:ext cx="6340585" cy="6340585"/>
+            </a:xfrm>
+            <a:custGeom>
+              <a:avLst/>
+              <a:pathLst>
+                <a:path w="6340585" h="6340585">
                   <a:moveTo>
                     <a:pt x="0" y="6340585"/>
                   </a:moveTo>
                   <a:lnTo>
-                    <a:pt x="2170225" y="3294715"/>
-                  </a:lnTo>
-                  <a:lnTo>
-                    <a:pt x="4395344" y="1373627"/>
-                  </a:lnTo>
-                  <a:lnTo>
-                    <a:pt x="6565569" y="228937"/>
-                  </a:lnTo>
-                  <a:lnTo>
-                    <a:pt x="8502592" y="0"/>
-                  </a:lnTo>
-                  <a:lnTo>
-                    <a:pt x="8502592" y="0"/>
-                  </a:lnTo>
-                  <a:lnTo>
-                    <a:pt x="8502592" y="0"/>
+                    <a:pt x="1618388" y="3294715"/>
+                  </a:lnTo>
+                  <a:lnTo>
+                    <a:pt x="3277712" y="1373627"/>
+                  </a:lnTo>
+                  <a:lnTo>
+                    <a:pt x="4896101" y="228937"/>
+                  </a:lnTo>
+                  <a:lnTo>
+                    <a:pt x="6340585" y="0"/>
+                  </a:lnTo>
+                  <a:lnTo>
+                    <a:pt x="6340585" y="0"/>
+                  </a:lnTo>
+                  <a:lnTo>
+                    <a:pt x="6340585" y="0"/>
                   </a:lnTo>
                 </a:path>
               </a:pathLst>
@@ -11107,33 +11089,33 @@
           </p:nvSpPr>
           <p:spPr>
             <a:xfrm>
-              <a:off x="571818" y="69589"/>
-              <a:ext cx="8502592" cy="6340585"/>
-            </a:xfrm>
-            <a:custGeom>
-              <a:avLst/>
-              <a:pathLst>
-                <a:path w="8502592" h="6340585">
+              <a:off x="1652822" y="69589"/>
+              <a:ext cx="6340585" cy="6340585"/>
+            </a:xfrm>
+            <a:custGeom>
+              <a:avLst/>
+              <a:pathLst>
+                <a:path w="6340585" h="6340585">
                   <a:moveTo>
                     <a:pt x="0" y="6340585"/>
                   </a:moveTo>
                   <a:lnTo>
-                    <a:pt x="2229495" y="4190559"/>
-                  </a:lnTo>
-                  <a:lnTo>
-                    <a:pt x="4352204" y="2329194"/>
-                  </a:lnTo>
-                  <a:lnTo>
-                    <a:pt x="6431525" y="836121"/>
-                  </a:lnTo>
-                  <a:lnTo>
-                    <a:pt x="8502592" y="0"/>
-                  </a:lnTo>
-                  <a:lnTo>
-                    <a:pt x="8502592" y="0"/>
-                  </a:lnTo>
-                  <a:lnTo>
-                    <a:pt x="8502592" y="0"/>
+                    <a:pt x="1662587" y="4190559"/>
+                  </a:lnTo>
+                  <a:lnTo>
+                    <a:pt x="3245542" y="2329194"/>
+                  </a:lnTo>
+                  <a:lnTo>
+                    <a:pt x="4796140" y="836121"/>
+                  </a:lnTo>
+                  <a:lnTo>
+                    <a:pt x="6340585" y="0"/>
+                  </a:lnTo>
+                  <a:lnTo>
+                    <a:pt x="6340585" y="0"/>
+                  </a:lnTo>
+                  <a:lnTo>
+                    <a:pt x="6340585" y="0"/>
                   </a:lnTo>
                 </a:path>
               </a:pathLst>
@@ -11162,33 +11144,33 @@
           </p:nvSpPr>
           <p:spPr>
             <a:xfrm>
-              <a:off x="571818" y="69589"/>
-              <a:ext cx="8502592" cy="6340585"/>
-            </a:xfrm>
-            <a:custGeom>
-              <a:avLst/>
-              <a:pathLst>
-                <a:path w="8502592" h="6340585">
+              <a:off x="1652822" y="69589"/>
+              <a:ext cx="6340585" cy="6340585"/>
+            </a:xfrm>
+            <a:custGeom>
+              <a:avLst/>
+              <a:pathLst>
+                <a:path w="6340585" h="6340585">
                   <a:moveTo>
                     <a:pt x="0" y="6340585"/>
                   </a:moveTo>
                   <a:lnTo>
-                    <a:pt x="2223118" y="3862083"/>
-                  </a:lnTo>
-                  <a:lnTo>
-                    <a:pt x="4426229" y="1781734"/>
-                  </a:lnTo>
-                  <a:lnTo>
-                    <a:pt x="6575698" y="467829"/>
-                  </a:lnTo>
-                  <a:lnTo>
-                    <a:pt x="8502592" y="0"/>
-                  </a:lnTo>
-                  <a:lnTo>
-                    <a:pt x="8502592" y="0"/>
-                  </a:lnTo>
-                  <a:lnTo>
-                    <a:pt x="8502592" y="0"/>
+                    <a:pt x="1657832" y="3862083"/>
+                  </a:lnTo>
+                  <a:lnTo>
+                    <a:pt x="3300744" y="1781734"/>
+                  </a:lnTo>
+                  <a:lnTo>
+                    <a:pt x="4903654" y="467829"/>
+                  </a:lnTo>
+                  <a:lnTo>
+                    <a:pt x="6340585" y="0"/>
+                  </a:lnTo>
+                  <a:lnTo>
+                    <a:pt x="6340585" y="0"/>
+                  </a:lnTo>
+                  <a:lnTo>
+                    <a:pt x="6340585" y="0"/>
                   </a:lnTo>
                 </a:path>
               </a:pathLst>
@@ -11217,22 +11199,16 @@
           </p:nvSpPr>
           <p:spPr>
             <a:xfrm>
-              <a:off x="571818" y="69589"/>
-              <a:ext cx="8502592" cy="6340585"/>
-            </a:xfrm>
-            <a:custGeom>
-              <a:avLst/>
-              <a:pathLst>
-                <a:path w="8502592" h="6340585">
-                  <a:moveTo>
-                    <a:pt x="0" y="6340585"/>
-                  </a:moveTo>
-                  <a:lnTo>
-                    <a:pt x="8502592" y="0"/>
-                  </a:lnTo>
-                  <a:lnTo>
-                    <a:pt x="8502592" y="0"/>
-                  </a:lnTo>
+              <a:off x="1652822" y="6410174"/>
+              <a:ext cx="0" cy="0"/>
+            </a:xfrm>
+            <a:custGeom>
+              <a:avLst/>
+              <a:pathLst>
+                <a:path w="0" h="0">
+                  <a:moveTo>
+                    <a:pt x="0" y="0"/>
+                  </a:moveTo>
                 </a:path>
               </a:pathLst>
             </a:custGeom>
@@ -11260,8 +11236,8 @@
           </p:nvSpPr>
           <p:spPr>
             <a:xfrm>
-              <a:off x="571818" y="69589"/>
-              <a:ext cx="8502592" cy="6340585"/>
+              <a:off x="1652822" y="69589"/>
+              <a:ext cx="6340585" cy="6340585"/>
             </a:xfrm>
             <a:prstGeom prst="rect">
               <a:avLst/>
@@ -11290,7 +11266,7 @@
           </p:nvSpPr>
           <p:spPr>
             <a:xfrm>
-              <a:off x="260471" y="6363128"/>
+              <a:off x="1341475" y="6363128"/>
               <a:ext cx="248716" cy="94091"/>
             </a:xfrm>
             <a:prstGeom prst="rect">
@@ -11336,7 +11312,7 @@
           </p:nvSpPr>
           <p:spPr>
             <a:xfrm>
-              <a:off x="260471" y="4777981"/>
+              <a:off x="1341475" y="4777981"/>
               <a:ext cx="248716" cy="94091"/>
             </a:xfrm>
             <a:prstGeom prst="rect">
@@ -11382,7 +11358,7 @@
           </p:nvSpPr>
           <p:spPr>
             <a:xfrm>
-              <a:off x="260471" y="3192835"/>
+              <a:off x="1341475" y="3192835"/>
               <a:ext cx="248716" cy="94091"/>
             </a:xfrm>
             <a:prstGeom prst="rect">
@@ -11428,7 +11404,7 @@
           </p:nvSpPr>
           <p:spPr>
             <a:xfrm>
-              <a:off x="260471" y="1607689"/>
+              <a:off x="1341475" y="1607689"/>
               <a:ext cx="248716" cy="94091"/>
             </a:xfrm>
             <a:prstGeom prst="rect">
@@ -11474,7 +11450,7 @@
           </p:nvSpPr>
           <p:spPr>
             <a:xfrm>
-              <a:off x="260471" y="22543"/>
+              <a:off x="1341475" y="22543"/>
               <a:ext cx="248716" cy="94091"/>
             </a:xfrm>
             <a:prstGeom prst="rect">
@@ -11520,7 +11496,7 @@
           </p:nvSpPr>
           <p:spPr>
             <a:xfrm>
-              <a:off x="537024" y="6410174"/>
+              <a:off x="1618027" y="6410174"/>
               <a:ext cx="34794" cy="0"/>
             </a:xfrm>
             <a:custGeom>
@@ -11560,7 +11536,7 @@
           </p:nvSpPr>
           <p:spPr>
             <a:xfrm>
-              <a:off x="537024" y="4825027"/>
+              <a:off x="1618027" y="4825027"/>
               <a:ext cx="34794" cy="0"/>
             </a:xfrm>
             <a:custGeom>
@@ -11600,7 +11576,7 @@
           </p:nvSpPr>
           <p:spPr>
             <a:xfrm>
-              <a:off x="537024" y="3239881"/>
+              <a:off x="1618027" y="3239881"/>
               <a:ext cx="34794" cy="0"/>
             </a:xfrm>
             <a:custGeom>
@@ -11640,7 +11616,7 @@
           </p:nvSpPr>
           <p:spPr>
             <a:xfrm>
-              <a:off x="537024" y="1654735"/>
+              <a:off x="1618027" y="1654735"/>
               <a:ext cx="34794" cy="0"/>
             </a:xfrm>
             <a:custGeom>
@@ -11680,7 +11656,7 @@
           </p:nvSpPr>
           <p:spPr>
             <a:xfrm>
-              <a:off x="537024" y="69589"/>
+              <a:off x="1618027" y="69589"/>
               <a:ext cx="34794" cy="0"/>
             </a:xfrm>
             <a:custGeom>
@@ -11720,7 +11696,7 @@
           </p:nvSpPr>
           <p:spPr>
             <a:xfrm>
-              <a:off x="571818" y="6410174"/>
+              <a:off x="1652822" y="6410174"/>
               <a:ext cx="0" cy="34794"/>
             </a:xfrm>
             <a:custGeom>
@@ -11760,7 +11736,7 @@
           </p:nvSpPr>
           <p:spPr>
             <a:xfrm>
-              <a:off x="2697466" y="6410174"/>
+              <a:off x="3237968" y="6410174"/>
               <a:ext cx="0" cy="34794"/>
             </a:xfrm>
             <a:custGeom>
@@ -11840,7 +11816,7 @@
           </p:nvSpPr>
           <p:spPr>
             <a:xfrm>
-              <a:off x="6948762" y="6410174"/>
+              <a:off x="6408261" y="6410174"/>
               <a:ext cx="0" cy="34794"/>
             </a:xfrm>
             <a:custGeom>
@@ -11880,7 +11856,7 @@
           </p:nvSpPr>
           <p:spPr>
             <a:xfrm>
-              <a:off x="9074410" y="6410174"/>
+              <a:off x="7993407" y="6410174"/>
               <a:ext cx="0" cy="34794"/>
             </a:xfrm>
             <a:custGeom>
@@ -11920,7 +11896,7 @@
           </p:nvSpPr>
           <p:spPr>
             <a:xfrm>
-              <a:off x="447460" y="6472804"/>
+              <a:off x="1528463" y="6472804"/>
               <a:ext cx="248716" cy="94091"/>
             </a:xfrm>
             <a:prstGeom prst="rect">
@@ -11966,7 +11942,7 @@
           </p:nvSpPr>
           <p:spPr>
             <a:xfrm>
-              <a:off x="2573108" y="6472804"/>
+              <a:off x="3113610" y="6472804"/>
               <a:ext cx="248716" cy="94091"/>
             </a:xfrm>
             <a:prstGeom prst="rect">
@@ -12058,7 +12034,7 @@
           </p:nvSpPr>
           <p:spPr>
             <a:xfrm>
-              <a:off x="6824404" y="6472804"/>
+              <a:off x="6283902" y="6472804"/>
               <a:ext cx="248716" cy="94091"/>
             </a:xfrm>
             <a:prstGeom prst="rect">
@@ -12104,7 +12080,7 @@
           </p:nvSpPr>
           <p:spPr>
             <a:xfrm>
-              <a:off x="8950052" y="6472804"/>
+              <a:off x="7869048" y="6472804"/>
               <a:ext cx="248716" cy="94091"/>
             </a:xfrm>
             <a:prstGeom prst="rect">
@@ -12196,7 +12172,7 @@
           </p:nvSpPr>
           <p:spPr>
             <a:xfrm rot="-5400000">
-              <a:off x="-251822" y="3181039"/>
+              <a:off x="829181" y="3181039"/>
               <a:ext cx="760506" cy="117683"/>
             </a:xfrm>
             <a:prstGeom prst="rect">
@@ -12242,7 +12218,7 @@
           </p:nvSpPr>
           <p:spPr>
             <a:xfrm>
-              <a:off x="6342901" y="4633556"/>
+              <a:off x="5694299" y="4633556"/>
               <a:ext cx="2061981" cy="1017002"/>
             </a:xfrm>
             <a:prstGeom prst="rect">
@@ -12268,8 +12244,8 @@
           </p:nvSpPr>
           <p:spPr>
             <a:xfrm>
-              <a:off x="6412490" y="4703145"/>
-              <a:ext cx="219456" cy="219455"/>
+              <a:off x="5763888" y="4703145"/>
+              <a:ext cx="219455" cy="219455"/>
             </a:xfrm>
             <a:prstGeom prst="rect">
               <a:avLst/>
@@ -12294,7 +12270,7 @@
           </p:nvSpPr>
           <p:spPr>
             <a:xfrm>
-              <a:off x="6434436" y="4812873"/>
+              <a:off x="5785834" y="4812873"/>
               <a:ext cx="175564" cy="0"/>
             </a:xfrm>
             <a:custGeom>
@@ -12334,8 +12310,8 @@
           </p:nvSpPr>
           <p:spPr>
             <a:xfrm>
-              <a:off x="6412490" y="4922601"/>
-              <a:ext cx="219456" cy="219455"/>
+              <a:off x="5763888" y="4922601"/>
+              <a:ext cx="219455" cy="219455"/>
             </a:xfrm>
             <a:prstGeom prst="rect">
               <a:avLst/>
@@ -12360,7 +12336,7 @@
           </p:nvSpPr>
           <p:spPr>
             <a:xfrm>
-              <a:off x="6434436" y="5032329"/>
+              <a:off x="5785834" y="5032329"/>
               <a:ext cx="175564" cy="0"/>
             </a:xfrm>
             <a:custGeom>
@@ -12400,8 +12376,8 @@
           </p:nvSpPr>
           <p:spPr>
             <a:xfrm>
-              <a:off x="6412490" y="5142057"/>
-              <a:ext cx="219456" cy="219455"/>
+              <a:off x="5763888" y="5142057"/>
+              <a:ext cx="219455" cy="219455"/>
             </a:xfrm>
             <a:prstGeom prst="rect">
               <a:avLst/>
@@ -12426,7 +12402,7 @@
           </p:nvSpPr>
           <p:spPr>
             <a:xfrm>
-              <a:off x="6434436" y="5251785"/>
+              <a:off x="5785834" y="5251785"/>
               <a:ext cx="175564" cy="0"/>
             </a:xfrm>
             <a:custGeom>
@@ -12466,8 +12442,8 @@
           </p:nvSpPr>
           <p:spPr>
             <a:xfrm>
-              <a:off x="6412490" y="5361513"/>
-              <a:ext cx="219456" cy="219455"/>
+              <a:off x="5763888" y="5361513"/>
+              <a:ext cx="219455" cy="219455"/>
             </a:xfrm>
             <a:prstGeom prst="rect">
               <a:avLst/>
@@ -12492,7 +12468,7 @@
           </p:nvSpPr>
           <p:spPr>
             <a:xfrm>
-              <a:off x="6434436" y="5471241"/>
+              <a:off x="5785834" y="5471241"/>
               <a:ext cx="175564" cy="0"/>
             </a:xfrm>
             <a:custGeom>
@@ -12532,7 +12508,7 @@
           </p:nvSpPr>
           <p:spPr>
             <a:xfrm>
-              <a:off x="6701535" y="4762398"/>
+              <a:off x="6052933" y="4762398"/>
               <a:ext cx="1235720" cy="100949"/>
             </a:xfrm>
             <a:prstGeom prst="rect">
@@ -12578,7 +12554,7 @@
           </p:nvSpPr>
           <p:spPr>
             <a:xfrm>
-              <a:off x="6701535" y="4981854"/>
+              <a:off x="6052933" y="4981854"/>
               <a:ext cx="1633758" cy="100949"/>
             </a:xfrm>
             <a:prstGeom prst="rect">
@@ -12624,7 +12600,7 @@
           </p:nvSpPr>
           <p:spPr>
             <a:xfrm>
-              <a:off x="6701535" y="5201310"/>
+              <a:off x="6052933" y="5201310"/>
               <a:ext cx="1206825" cy="100949"/>
             </a:xfrm>
             <a:prstGeom prst="rect">
@@ -12670,7 +12646,7 @@
           </p:nvSpPr>
           <p:spPr>
             <a:xfrm>
-              <a:off x="6701535" y="5420766"/>
+              <a:off x="6052933" y="5420766"/>
               <a:ext cx="1576517" cy="100949"/>
             </a:xfrm>
             <a:prstGeom prst="rect">
@@ -12791,8 +12767,8 @@
           </p:nvSpPr>
           <p:spPr>
             <a:xfrm>
-              <a:off x="0" y="0"/>
-              <a:ext cx="9143999" cy="6858000"/>
+              <a:off x="1081003" y="0"/>
+              <a:ext cx="6981992" cy="6858000"/>
             </a:xfrm>
             <a:prstGeom prst="rect">
               <a:avLst/>
@@ -12826,8 +12802,8 @@
           </p:nvSpPr>
           <p:spPr>
             <a:xfrm>
-              <a:off x="571818" y="69589"/>
-              <a:ext cx="8502592" cy="6340585"/>
+              <a:off x="1652822" y="69589"/>
+              <a:ext cx="6340585" cy="6340585"/>
             </a:xfrm>
             <a:prstGeom prst="rect">
               <a:avLst/>
@@ -12852,21 +12828,21 @@
           </p:nvSpPr>
           <p:spPr>
             <a:xfrm>
-              <a:off x="571818" y="5617600"/>
-              <a:ext cx="8502592" cy="0"/>
-            </a:xfrm>
-            <a:custGeom>
-              <a:avLst/>
-              <a:pathLst>
-                <a:path w="8502592" h="0">
-                  <a:moveTo>
-                    <a:pt x="0" y="0"/>
-                  </a:moveTo>
-                  <a:lnTo>
-                    <a:pt x="8502592" y="0"/>
-                  </a:lnTo>
-                  <a:lnTo>
-                    <a:pt x="8502592" y="0"/>
+              <a:off x="1652822" y="5617600"/>
+              <a:ext cx="6340585" cy="0"/>
+            </a:xfrm>
+            <a:custGeom>
+              <a:avLst/>
+              <a:pathLst>
+                <a:path w="6340585" h="0">
+                  <a:moveTo>
+                    <a:pt x="0" y="0"/>
+                  </a:moveTo>
+                  <a:lnTo>
+                    <a:pt x="6340585" y="0"/>
+                  </a:lnTo>
+                  <a:lnTo>
+                    <a:pt x="6340585" y="0"/>
                   </a:lnTo>
                 </a:path>
               </a:pathLst>
@@ -12895,21 +12871,21 @@
           </p:nvSpPr>
           <p:spPr>
             <a:xfrm>
-              <a:off x="571818" y="4032454"/>
-              <a:ext cx="8502592" cy="0"/>
-            </a:xfrm>
-            <a:custGeom>
-              <a:avLst/>
-              <a:pathLst>
-                <a:path w="8502592" h="0">
-                  <a:moveTo>
-                    <a:pt x="0" y="0"/>
-                  </a:moveTo>
-                  <a:lnTo>
-                    <a:pt x="8502592" y="0"/>
-                  </a:lnTo>
-                  <a:lnTo>
-                    <a:pt x="8502592" y="0"/>
+              <a:off x="1652822" y="4032454"/>
+              <a:ext cx="6340585" cy="0"/>
+            </a:xfrm>
+            <a:custGeom>
+              <a:avLst/>
+              <a:pathLst>
+                <a:path w="6340585" h="0">
+                  <a:moveTo>
+                    <a:pt x="0" y="0"/>
+                  </a:moveTo>
+                  <a:lnTo>
+                    <a:pt x="6340585" y="0"/>
+                  </a:lnTo>
+                  <a:lnTo>
+                    <a:pt x="6340585" y="0"/>
                   </a:lnTo>
                 </a:path>
               </a:pathLst>
@@ -12938,21 +12914,21 @@
           </p:nvSpPr>
           <p:spPr>
             <a:xfrm>
-              <a:off x="571818" y="2447308"/>
-              <a:ext cx="8502592" cy="0"/>
-            </a:xfrm>
-            <a:custGeom>
-              <a:avLst/>
-              <a:pathLst>
-                <a:path w="8502592" h="0">
-                  <a:moveTo>
-                    <a:pt x="0" y="0"/>
-                  </a:moveTo>
-                  <a:lnTo>
-                    <a:pt x="8502592" y="0"/>
-                  </a:lnTo>
-                  <a:lnTo>
-                    <a:pt x="8502592" y="0"/>
+              <a:off x="1652822" y="2447308"/>
+              <a:ext cx="6340585" cy="0"/>
+            </a:xfrm>
+            <a:custGeom>
+              <a:avLst/>
+              <a:pathLst>
+                <a:path w="6340585" h="0">
+                  <a:moveTo>
+                    <a:pt x="0" y="0"/>
+                  </a:moveTo>
+                  <a:lnTo>
+                    <a:pt x="6340585" y="0"/>
+                  </a:lnTo>
+                  <a:lnTo>
+                    <a:pt x="6340585" y="0"/>
                   </a:lnTo>
                 </a:path>
               </a:pathLst>
@@ -12981,21 +12957,21 @@
           </p:nvSpPr>
           <p:spPr>
             <a:xfrm>
-              <a:off x="571818" y="862162"/>
-              <a:ext cx="8502592" cy="0"/>
-            </a:xfrm>
-            <a:custGeom>
-              <a:avLst/>
-              <a:pathLst>
-                <a:path w="8502592" h="0">
-                  <a:moveTo>
-                    <a:pt x="0" y="0"/>
-                  </a:moveTo>
-                  <a:lnTo>
-                    <a:pt x="8502592" y="0"/>
-                  </a:lnTo>
-                  <a:lnTo>
-                    <a:pt x="8502592" y="0"/>
+              <a:off x="1652822" y="862162"/>
+              <a:ext cx="6340585" cy="0"/>
+            </a:xfrm>
+            <a:custGeom>
+              <a:avLst/>
+              <a:pathLst>
+                <a:path w="6340585" h="0">
+                  <a:moveTo>
+                    <a:pt x="0" y="0"/>
+                  </a:moveTo>
+                  <a:lnTo>
+                    <a:pt x="6340585" y="0"/>
+                  </a:lnTo>
+                  <a:lnTo>
+                    <a:pt x="6340585" y="0"/>
                   </a:lnTo>
                 </a:path>
               </a:pathLst>
@@ -13024,7 +13000,7 @@
           </p:nvSpPr>
           <p:spPr>
             <a:xfrm>
-              <a:off x="1634642" y="69589"/>
+              <a:off x="2445395" y="69589"/>
               <a:ext cx="0" cy="6340585"/>
             </a:xfrm>
             <a:custGeom>
@@ -13067,7 +13043,7 @@
           </p:nvSpPr>
           <p:spPr>
             <a:xfrm>
-              <a:off x="3760290" y="69589"/>
+              <a:off x="4030541" y="69589"/>
               <a:ext cx="0" cy="6340585"/>
             </a:xfrm>
             <a:custGeom>
@@ -13110,7 +13086,7 @@
           </p:nvSpPr>
           <p:spPr>
             <a:xfrm>
-              <a:off x="5885938" y="69589"/>
+              <a:off x="5615687" y="69589"/>
               <a:ext cx="0" cy="6340585"/>
             </a:xfrm>
             <a:custGeom>
@@ -13153,7 +13129,7 @@
           </p:nvSpPr>
           <p:spPr>
             <a:xfrm>
-              <a:off x="8011586" y="69589"/>
+              <a:off x="7200834" y="69589"/>
               <a:ext cx="0" cy="6340585"/>
             </a:xfrm>
             <a:custGeom>
@@ -13196,21 +13172,21 @@
           </p:nvSpPr>
           <p:spPr>
             <a:xfrm>
-              <a:off x="571818" y="6410174"/>
-              <a:ext cx="8502592" cy="0"/>
-            </a:xfrm>
-            <a:custGeom>
-              <a:avLst/>
-              <a:pathLst>
-                <a:path w="8502592" h="0">
-                  <a:moveTo>
-                    <a:pt x="0" y="0"/>
-                  </a:moveTo>
-                  <a:lnTo>
-                    <a:pt x="8502592" y="0"/>
-                  </a:lnTo>
-                  <a:lnTo>
-                    <a:pt x="8502592" y="0"/>
+              <a:off x="1652822" y="6410174"/>
+              <a:ext cx="6340585" cy="0"/>
+            </a:xfrm>
+            <a:custGeom>
+              <a:avLst/>
+              <a:pathLst>
+                <a:path w="6340585" h="0">
+                  <a:moveTo>
+                    <a:pt x="0" y="0"/>
+                  </a:moveTo>
+                  <a:lnTo>
+                    <a:pt x="6340585" y="0"/>
+                  </a:lnTo>
+                  <a:lnTo>
+                    <a:pt x="6340585" y="0"/>
                   </a:lnTo>
                 </a:path>
               </a:pathLst>
@@ -13239,21 +13215,21 @@
           </p:nvSpPr>
           <p:spPr>
             <a:xfrm>
-              <a:off x="571818" y="4825027"/>
-              <a:ext cx="8502592" cy="0"/>
-            </a:xfrm>
-            <a:custGeom>
-              <a:avLst/>
-              <a:pathLst>
-                <a:path w="8502592" h="0">
-                  <a:moveTo>
-                    <a:pt x="0" y="0"/>
-                  </a:moveTo>
-                  <a:lnTo>
-                    <a:pt x="8502592" y="0"/>
-                  </a:lnTo>
-                  <a:lnTo>
-                    <a:pt x="8502592" y="0"/>
+              <a:off x="1652822" y="4825027"/>
+              <a:ext cx="6340585" cy="0"/>
+            </a:xfrm>
+            <a:custGeom>
+              <a:avLst/>
+              <a:pathLst>
+                <a:path w="6340585" h="0">
+                  <a:moveTo>
+                    <a:pt x="0" y="0"/>
+                  </a:moveTo>
+                  <a:lnTo>
+                    <a:pt x="6340585" y="0"/>
+                  </a:lnTo>
+                  <a:lnTo>
+                    <a:pt x="6340585" y="0"/>
                   </a:lnTo>
                 </a:path>
               </a:pathLst>
@@ -13282,21 +13258,21 @@
           </p:nvSpPr>
           <p:spPr>
             <a:xfrm>
-              <a:off x="571818" y="3239881"/>
-              <a:ext cx="8502592" cy="0"/>
-            </a:xfrm>
-            <a:custGeom>
-              <a:avLst/>
-              <a:pathLst>
-                <a:path w="8502592" h="0">
-                  <a:moveTo>
-                    <a:pt x="0" y="0"/>
-                  </a:moveTo>
-                  <a:lnTo>
-                    <a:pt x="8502592" y="0"/>
-                  </a:lnTo>
-                  <a:lnTo>
-                    <a:pt x="8502592" y="0"/>
+              <a:off x="1652822" y="3239881"/>
+              <a:ext cx="6340585" cy="0"/>
+            </a:xfrm>
+            <a:custGeom>
+              <a:avLst/>
+              <a:pathLst>
+                <a:path w="6340585" h="0">
+                  <a:moveTo>
+                    <a:pt x="0" y="0"/>
+                  </a:moveTo>
+                  <a:lnTo>
+                    <a:pt x="6340585" y="0"/>
+                  </a:lnTo>
+                  <a:lnTo>
+                    <a:pt x="6340585" y="0"/>
                   </a:lnTo>
                 </a:path>
               </a:pathLst>
@@ -13325,21 +13301,21 @@
           </p:nvSpPr>
           <p:spPr>
             <a:xfrm>
-              <a:off x="571818" y="1654735"/>
-              <a:ext cx="8502592" cy="0"/>
-            </a:xfrm>
-            <a:custGeom>
-              <a:avLst/>
-              <a:pathLst>
-                <a:path w="8502592" h="0">
-                  <a:moveTo>
-                    <a:pt x="0" y="0"/>
-                  </a:moveTo>
-                  <a:lnTo>
-                    <a:pt x="8502592" y="0"/>
-                  </a:lnTo>
-                  <a:lnTo>
-                    <a:pt x="8502592" y="0"/>
+              <a:off x="1652822" y="1654735"/>
+              <a:ext cx="6340585" cy="0"/>
+            </a:xfrm>
+            <a:custGeom>
+              <a:avLst/>
+              <a:pathLst>
+                <a:path w="6340585" h="0">
+                  <a:moveTo>
+                    <a:pt x="0" y="0"/>
+                  </a:moveTo>
+                  <a:lnTo>
+                    <a:pt x="6340585" y="0"/>
+                  </a:lnTo>
+                  <a:lnTo>
+                    <a:pt x="6340585" y="0"/>
                   </a:lnTo>
                 </a:path>
               </a:pathLst>
@@ -13368,21 +13344,21 @@
           </p:nvSpPr>
           <p:spPr>
             <a:xfrm>
-              <a:off x="571818" y="69589"/>
-              <a:ext cx="8502592" cy="0"/>
-            </a:xfrm>
-            <a:custGeom>
-              <a:avLst/>
-              <a:pathLst>
-                <a:path w="8502592" h="0">
-                  <a:moveTo>
-                    <a:pt x="0" y="0"/>
-                  </a:moveTo>
-                  <a:lnTo>
-                    <a:pt x="8502592" y="0"/>
-                  </a:lnTo>
-                  <a:lnTo>
-                    <a:pt x="8502592" y="0"/>
+              <a:off x="1652822" y="69589"/>
+              <a:ext cx="6340585" cy="0"/>
+            </a:xfrm>
+            <a:custGeom>
+              <a:avLst/>
+              <a:pathLst>
+                <a:path w="6340585" h="0">
+                  <a:moveTo>
+                    <a:pt x="0" y="0"/>
+                  </a:moveTo>
+                  <a:lnTo>
+                    <a:pt x="6340585" y="0"/>
+                  </a:lnTo>
+                  <a:lnTo>
+                    <a:pt x="6340585" y="0"/>
                   </a:lnTo>
                 </a:path>
               </a:pathLst>
@@ -13411,7 +13387,7 @@
           </p:nvSpPr>
           <p:spPr>
             <a:xfrm>
-              <a:off x="571818" y="69589"/>
+              <a:off x="1652822" y="69589"/>
               <a:ext cx="0" cy="6340585"/>
             </a:xfrm>
             <a:custGeom>
@@ -13454,7 +13430,7 @@
           </p:nvSpPr>
           <p:spPr>
             <a:xfrm>
-              <a:off x="2697466" y="69589"/>
+              <a:off x="3237968" y="69589"/>
               <a:ext cx="0" cy="6340585"/>
             </a:xfrm>
             <a:custGeom>
@@ -13540,7 +13516,7 @@
           </p:nvSpPr>
           <p:spPr>
             <a:xfrm>
-              <a:off x="6948762" y="69589"/>
+              <a:off x="6408261" y="69589"/>
               <a:ext cx="0" cy="6340585"/>
             </a:xfrm>
             <a:custGeom>
@@ -13583,7 +13559,7 @@
           </p:nvSpPr>
           <p:spPr>
             <a:xfrm>
-              <a:off x="9074410" y="69589"/>
+              <a:off x="7993407" y="69589"/>
               <a:ext cx="0" cy="6340585"/>
             </a:xfrm>
             <a:custGeom>
@@ -13626,33 +13602,33 @@
           </p:nvSpPr>
           <p:spPr>
             <a:xfrm>
-              <a:off x="571818" y="69589"/>
-              <a:ext cx="8502592" cy="6340585"/>
-            </a:xfrm>
-            <a:custGeom>
-              <a:avLst/>
-              <a:pathLst>
-                <a:path w="8502592" h="6340585">
+              <a:off x="1652822" y="69589"/>
+              <a:ext cx="6340585" cy="6340585"/>
+            </a:xfrm>
+            <a:custGeom>
+              <a:avLst/>
+              <a:pathLst>
+                <a:path w="6340585" h="6340585">
                   <a:moveTo>
                     <a:pt x="0" y="6340585"/>
                   </a:moveTo>
                   <a:lnTo>
-                    <a:pt x="2237172" y="4323846"/>
-                  </a:lnTo>
-                  <a:lnTo>
-                    <a:pt x="4388353" y="2417974"/>
-                  </a:lnTo>
-                  <a:lnTo>
-                    <a:pt x="6471320" y="902781"/>
-                  </a:lnTo>
-                  <a:lnTo>
-                    <a:pt x="8502592" y="0"/>
-                  </a:lnTo>
-                  <a:lnTo>
-                    <a:pt x="8502592" y="0"/>
-                  </a:lnTo>
-                  <a:lnTo>
-                    <a:pt x="8502592" y="0"/>
+                    <a:pt x="1668312" y="4323846"/>
+                  </a:lnTo>
+                  <a:lnTo>
+                    <a:pt x="3272499" y="2417974"/>
+                  </a:lnTo>
+                  <a:lnTo>
+                    <a:pt x="4825817" y="902781"/>
+                  </a:lnTo>
+                  <a:lnTo>
+                    <a:pt x="6340585" y="0"/>
+                  </a:lnTo>
+                  <a:lnTo>
+                    <a:pt x="6340585" y="0"/>
+                  </a:lnTo>
+                  <a:lnTo>
+                    <a:pt x="6340585" y="0"/>
                   </a:lnTo>
                 </a:path>
               </a:pathLst>
@@ -13681,33 +13657,33 @@
           </p:nvSpPr>
           <p:spPr>
             <a:xfrm>
-              <a:off x="571818" y="69589"/>
-              <a:ext cx="8502592" cy="6340585"/>
-            </a:xfrm>
-            <a:custGeom>
-              <a:avLst/>
-              <a:pathLst>
-                <a:path w="8502592" h="6340585">
+              <a:off x="1652822" y="69589"/>
+              <a:ext cx="6340585" cy="6340585"/>
+            </a:xfrm>
+            <a:custGeom>
+              <a:avLst/>
+              <a:pathLst>
+                <a:path w="6340585" h="6340585">
                   <a:moveTo>
                     <a:pt x="0" y="6340585"/>
                   </a:moveTo>
                   <a:lnTo>
-                    <a:pt x="2157485" y="3431623"/>
-                  </a:lnTo>
-                  <a:lnTo>
-                    <a:pt x="4377762" y="1430723"/>
-                  </a:lnTo>
-                  <a:lnTo>
-                    <a:pt x="6555925" y="395956"/>
-                  </a:lnTo>
-                  <a:lnTo>
-                    <a:pt x="8502592" y="0"/>
-                  </a:lnTo>
-                  <a:lnTo>
-                    <a:pt x="8502592" y="0"/>
-                  </a:lnTo>
-                  <a:lnTo>
-                    <a:pt x="8502592" y="0"/>
+                    <a:pt x="1608887" y="3431623"/>
+                  </a:lnTo>
+                  <a:lnTo>
+                    <a:pt x="3264601" y="1430723"/>
+                  </a:lnTo>
+                  <a:lnTo>
+                    <a:pt x="4888909" y="395956"/>
+                  </a:lnTo>
+                  <a:lnTo>
+                    <a:pt x="6340585" y="0"/>
+                  </a:lnTo>
+                  <a:lnTo>
+                    <a:pt x="6340585" y="0"/>
+                  </a:lnTo>
+                  <a:lnTo>
+                    <a:pt x="6340585" y="0"/>
                   </a:lnTo>
                 </a:path>
               </a:pathLst>
@@ -13736,33 +13712,33 @@
           </p:nvSpPr>
           <p:spPr>
             <a:xfrm>
-              <a:off x="571818" y="69589"/>
-              <a:ext cx="8502592" cy="6340585"/>
-            </a:xfrm>
-            <a:custGeom>
-              <a:avLst/>
-              <a:pathLst>
-                <a:path w="8502592" h="6340585">
+              <a:off x="1652822" y="69589"/>
+              <a:ext cx="6340585" cy="6340585"/>
+            </a:xfrm>
+            <a:custGeom>
+              <a:avLst/>
+              <a:pathLst>
+                <a:path w="6340585" h="6340585">
                   <a:moveTo>
                     <a:pt x="0" y="6340585"/>
                   </a:moveTo>
                   <a:lnTo>
-                    <a:pt x="2228094" y="4360802"/>
-                  </a:lnTo>
-                  <a:lnTo>
-                    <a:pt x="4348005" y="2513004"/>
-                  </a:lnTo>
-                  <a:lnTo>
-                    <a:pt x="6426559" y="960854"/>
-                  </a:lnTo>
-                  <a:lnTo>
-                    <a:pt x="8502592" y="0"/>
-                  </a:lnTo>
-                  <a:lnTo>
-                    <a:pt x="8502592" y="0"/>
-                  </a:lnTo>
-                  <a:lnTo>
-                    <a:pt x="8502592" y="0"/>
+                    <a:pt x="1661542" y="4360802"/>
+                  </a:lnTo>
+                  <a:lnTo>
+                    <a:pt x="3242410" y="2513004"/>
+                  </a:lnTo>
+                  <a:lnTo>
+                    <a:pt x="4792438" y="960854"/>
+                  </a:lnTo>
+                  <a:lnTo>
+                    <a:pt x="6340585" y="0"/>
+                  </a:lnTo>
+                  <a:lnTo>
+                    <a:pt x="6340585" y="0"/>
+                  </a:lnTo>
+                  <a:lnTo>
+                    <a:pt x="6340585" y="0"/>
                   </a:lnTo>
                 </a:path>
               </a:pathLst>
@@ -13791,33 +13767,33 @@
           </p:nvSpPr>
           <p:spPr>
             <a:xfrm>
-              <a:off x="571818" y="69589"/>
-              <a:ext cx="8502592" cy="6340585"/>
-            </a:xfrm>
-            <a:custGeom>
-              <a:avLst/>
-              <a:pathLst>
-                <a:path w="8502592" h="6340585">
+              <a:off x="1652822" y="69589"/>
+              <a:ext cx="6340585" cy="6340585"/>
+            </a:xfrm>
+            <a:custGeom>
+              <a:avLst/>
+              <a:pathLst>
+                <a:path w="6340585" h="6340585">
                   <a:moveTo>
                     <a:pt x="0" y="6340585"/>
                   </a:moveTo>
                   <a:lnTo>
-                    <a:pt x="2216998" y="3991242"/>
-                  </a:lnTo>
-                  <a:lnTo>
-                    <a:pt x="4416723" y="1974503"/>
-                  </a:lnTo>
-                  <a:lnTo>
-                    <a:pt x="6567525" y="580736"/>
-                  </a:lnTo>
-                  <a:lnTo>
-                    <a:pt x="8502592" y="0"/>
-                  </a:lnTo>
-                  <a:lnTo>
-                    <a:pt x="8502592" y="0"/>
-                  </a:lnTo>
-                  <a:lnTo>
-                    <a:pt x="8502592" y="0"/>
+                    <a:pt x="1653268" y="3991242"/>
+                  </a:lnTo>
+                  <a:lnTo>
+                    <a:pt x="3293655" y="1974503"/>
+                  </a:lnTo>
+                  <a:lnTo>
+                    <a:pt x="4897559" y="580736"/>
+                  </a:lnTo>
+                  <a:lnTo>
+                    <a:pt x="6340585" y="0"/>
+                  </a:lnTo>
+                  <a:lnTo>
+                    <a:pt x="6340585" y="0"/>
+                  </a:lnTo>
+                  <a:lnTo>
+                    <a:pt x="6340585" y="0"/>
                   </a:lnTo>
                 </a:path>
               </a:pathLst>
@@ -13846,22 +13822,16 @@
           </p:nvSpPr>
           <p:spPr>
             <a:xfrm>
-              <a:off x="571818" y="69589"/>
-              <a:ext cx="8502592" cy="6340585"/>
-            </a:xfrm>
-            <a:custGeom>
-              <a:avLst/>
-              <a:pathLst>
-                <a:path w="8502592" h="6340585">
-                  <a:moveTo>
-                    <a:pt x="0" y="6340585"/>
-                  </a:moveTo>
-                  <a:lnTo>
-                    <a:pt x="8502592" y="0"/>
-                  </a:lnTo>
-                  <a:lnTo>
-                    <a:pt x="8502592" y="0"/>
-                  </a:lnTo>
+              <a:off x="1652822" y="6410174"/>
+              <a:ext cx="0" cy="0"/>
+            </a:xfrm>
+            <a:custGeom>
+              <a:avLst/>
+              <a:pathLst>
+                <a:path w="0" h="0">
+                  <a:moveTo>
+                    <a:pt x="0" y="0"/>
+                  </a:moveTo>
                 </a:path>
               </a:pathLst>
             </a:custGeom>
@@ -13889,8 +13859,8 @@
           </p:nvSpPr>
           <p:spPr>
             <a:xfrm>
-              <a:off x="571818" y="69589"/>
-              <a:ext cx="8502592" cy="6340585"/>
+              <a:off x="1652822" y="69589"/>
+              <a:ext cx="6340585" cy="6340585"/>
             </a:xfrm>
             <a:prstGeom prst="rect">
               <a:avLst/>
@@ -13919,7 +13889,7 @@
           </p:nvSpPr>
           <p:spPr>
             <a:xfrm>
-              <a:off x="260471" y="6363128"/>
+              <a:off x="1341475" y="6363128"/>
               <a:ext cx="248716" cy="94091"/>
             </a:xfrm>
             <a:prstGeom prst="rect">
@@ -13965,7 +13935,7 @@
           </p:nvSpPr>
           <p:spPr>
             <a:xfrm>
-              <a:off x="260471" y="4777981"/>
+              <a:off x="1341475" y="4777981"/>
               <a:ext cx="248716" cy="94091"/>
             </a:xfrm>
             <a:prstGeom prst="rect">
@@ -14011,7 +13981,7 @@
           </p:nvSpPr>
           <p:spPr>
             <a:xfrm>
-              <a:off x="260471" y="3192835"/>
+              <a:off x="1341475" y="3192835"/>
               <a:ext cx="248716" cy="94091"/>
             </a:xfrm>
             <a:prstGeom prst="rect">
@@ -14057,7 +14027,7 @@
           </p:nvSpPr>
           <p:spPr>
             <a:xfrm>
-              <a:off x="260471" y="1607689"/>
+              <a:off x="1341475" y="1607689"/>
               <a:ext cx="248716" cy="94091"/>
             </a:xfrm>
             <a:prstGeom prst="rect">
@@ -14103,7 +14073,7 @@
           </p:nvSpPr>
           <p:spPr>
             <a:xfrm>
-              <a:off x="260471" y="22543"/>
+              <a:off x="1341475" y="22543"/>
               <a:ext cx="248716" cy="94091"/>
             </a:xfrm>
             <a:prstGeom prst="rect">
@@ -14149,7 +14119,7 @@
           </p:nvSpPr>
           <p:spPr>
             <a:xfrm>
-              <a:off x="537024" y="6410174"/>
+              <a:off x="1618027" y="6410174"/>
               <a:ext cx="34794" cy="0"/>
             </a:xfrm>
             <a:custGeom>
@@ -14189,7 +14159,7 @@
           </p:nvSpPr>
           <p:spPr>
             <a:xfrm>
-              <a:off x="537024" y="4825027"/>
+              <a:off x="1618027" y="4825027"/>
               <a:ext cx="34794" cy="0"/>
             </a:xfrm>
             <a:custGeom>
@@ -14229,7 +14199,7 @@
           </p:nvSpPr>
           <p:spPr>
             <a:xfrm>
-              <a:off x="537024" y="3239881"/>
+              <a:off x="1618027" y="3239881"/>
               <a:ext cx="34794" cy="0"/>
             </a:xfrm>
             <a:custGeom>
@@ -14269,7 +14239,7 @@
           </p:nvSpPr>
           <p:spPr>
             <a:xfrm>
-              <a:off x="537024" y="1654735"/>
+              <a:off x="1618027" y="1654735"/>
               <a:ext cx="34794" cy="0"/>
             </a:xfrm>
             <a:custGeom>
@@ -14309,7 +14279,7 @@
           </p:nvSpPr>
           <p:spPr>
             <a:xfrm>
-              <a:off x="537024" y="69589"/>
+              <a:off x="1618027" y="69589"/>
               <a:ext cx="34794" cy="0"/>
             </a:xfrm>
             <a:custGeom>
@@ -14349,7 +14319,7 @@
           </p:nvSpPr>
           <p:spPr>
             <a:xfrm>
-              <a:off x="571818" y="6410174"/>
+              <a:off x="1652822" y="6410174"/>
               <a:ext cx="0" cy="34794"/>
             </a:xfrm>
             <a:custGeom>
@@ -14389,7 +14359,7 @@
           </p:nvSpPr>
           <p:spPr>
             <a:xfrm>
-              <a:off x="2697466" y="6410174"/>
+              <a:off x="3237968" y="6410174"/>
               <a:ext cx="0" cy="34794"/>
             </a:xfrm>
             <a:custGeom>
@@ -14469,7 +14439,7 @@
           </p:nvSpPr>
           <p:spPr>
             <a:xfrm>
-              <a:off x="6948762" y="6410174"/>
+              <a:off x="6408261" y="6410174"/>
               <a:ext cx="0" cy="34794"/>
             </a:xfrm>
             <a:custGeom>
@@ -14509,7 +14479,7 @@
           </p:nvSpPr>
           <p:spPr>
             <a:xfrm>
-              <a:off x="9074410" y="6410174"/>
+              <a:off x="7993407" y="6410174"/>
               <a:ext cx="0" cy="34794"/>
             </a:xfrm>
             <a:custGeom>
@@ -14549,7 +14519,7 @@
           </p:nvSpPr>
           <p:spPr>
             <a:xfrm>
-              <a:off x="447460" y="6472804"/>
+              <a:off x="1528463" y="6472804"/>
               <a:ext cx="248716" cy="94091"/>
             </a:xfrm>
             <a:prstGeom prst="rect">
@@ -14595,7 +14565,7 @@
           </p:nvSpPr>
           <p:spPr>
             <a:xfrm>
-              <a:off x="2573108" y="6472804"/>
+              <a:off x="3113610" y="6472804"/>
               <a:ext cx="248716" cy="94091"/>
             </a:xfrm>
             <a:prstGeom prst="rect">
@@ -14687,7 +14657,7 @@
           </p:nvSpPr>
           <p:spPr>
             <a:xfrm>
-              <a:off x="6824404" y="6472804"/>
+              <a:off x="6283902" y="6472804"/>
               <a:ext cx="248716" cy="94091"/>
             </a:xfrm>
             <a:prstGeom prst="rect">
@@ -14733,7 +14703,7 @@
           </p:nvSpPr>
           <p:spPr>
             <a:xfrm>
-              <a:off x="8950052" y="6472804"/>
+              <a:off x="7869048" y="6472804"/>
               <a:ext cx="248716" cy="94091"/>
             </a:xfrm>
             <a:prstGeom prst="rect">
@@ -14825,7 +14795,7 @@
           </p:nvSpPr>
           <p:spPr>
             <a:xfrm rot="-5400000">
-              <a:off x="-251822" y="3181039"/>
+              <a:off x="829181" y="3181039"/>
               <a:ext cx="760506" cy="117683"/>
             </a:xfrm>
             <a:prstGeom prst="rect">
@@ -14871,7 +14841,7 @@
           </p:nvSpPr>
           <p:spPr>
             <a:xfrm>
-              <a:off x="6342901" y="4633556"/>
+              <a:off x="5694299" y="4633556"/>
               <a:ext cx="2061981" cy="1017002"/>
             </a:xfrm>
             <a:prstGeom prst="rect">
@@ -14897,8 +14867,8 @@
           </p:nvSpPr>
           <p:spPr>
             <a:xfrm>
-              <a:off x="6412490" y="4703145"/>
-              <a:ext cx="219456" cy="219455"/>
+              <a:off x="5763888" y="4703145"/>
+              <a:ext cx="219455" cy="219455"/>
             </a:xfrm>
             <a:prstGeom prst="rect">
               <a:avLst/>
@@ -14923,7 +14893,7 @@
           </p:nvSpPr>
           <p:spPr>
             <a:xfrm>
-              <a:off x="6434436" y="4812873"/>
+              <a:off x="5785834" y="4812873"/>
               <a:ext cx="175564" cy="0"/>
             </a:xfrm>
             <a:custGeom>
@@ -14963,8 +14933,8 @@
           </p:nvSpPr>
           <p:spPr>
             <a:xfrm>
-              <a:off x="6412490" y="4922601"/>
-              <a:ext cx="219456" cy="219455"/>
+              <a:off x="5763888" y="4922601"/>
+              <a:ext cx="219455" cy="219455"/>
             </a:xfrm>
             <a:prstGeom prst="rect">
               <a:avLst/>
@@ -14989,7 +14959,7 @@
           </p:nvSpPr>
           <p:spPr>
             <a:xfrm>
-              <a:off x="6434436" y="5032329"/>
+              <a:off x="5785834" y="5032329"/>
               <a:ext cx="175564" cy="0"/>
             </a:xfrm>
             <a:custGeom>
@@ -15029,8 +14999,8 @@
           </p:nvSpPr>
           <p:spPr>
             <a:xfrm>
-              <a:off x="6412490" y="5142057"/>
-              <a:ext cx="219456" cy="219455"/>
+              <a:off x="5763888" y="5142057"/>
+              <a:ext cx="219455" cy="219455"/>
             </a:xfrm>
             <a:prstGeom prst="rect">
               <a:avLst/>
@@ -15055,7 +15025,7 @@
           </p:nvSpPr>
           <p:spPr>
             <a:xfrm>
-              <a:off x="6434436" y="5251785"/>
+              <a:off x="5785834" y="5251785"/>
               <a:ext cx="175564" cy="0"/>
             </a:xfrm>
             <a:custGeom>
@@ -15095,8 +15065,8 @@
           </p:nvSpPr>
           <p:spPr>
             <a:xfrm>
-              <a:off x="6412490" y="5361513"/>
-              <a:ext cx="219456" cy="219455"/>
+              <a:off x="5763888" y="5361513"/>
+              <a:ext cx="219455" cy="219455"/>
             </a:xfrm>
             <a:prstGeom prst="rect">
               <a:avLst/>
@@ -15121,7 +15091,7 @@
           </p:nvSpPr>
           <p:spPr>
             <a:xfrm>
-              <a:off x="6434436" y="5471241"/>
+              <a:off x="5785834" y="5471241"/>
               <a:ext cx="175564" cy="0"/>
             </a:xfrm>
             <a:custGeom>
@@ -15161,7 +15131,7 @@
           </p:nvSpPr>
           <p:spPr>
             <a:xfrm>
-              <a:off x="6701535" y="4762398"/>
+              <a:off x="6052933" y="4762398"/>
               <a:ext cx="1235720" cy="100949"/>
             </a:xfrm>
             <a:prstGeom prst="rect">
@@ -15207,7 +15177,7 @@
           </p:nvSpPr>
           <p:spPr>
             <a:xfrm>
-              <a:off x="6701535" y="4981854"/>
+              <a:off x="6052933" y="4981854"/>
               <a:ext cx="1633758" cy="100949"/>
             </a:xfrm>
             <a:prstGeom prst="rect">
@@ -15253,7 +15223,7 @@
           </p:nvSpPr>
           <p:spPr>
             <a:xfrm>
-              <a:off x="6701535" y="5201310"/>
+              <a:off x="6052933" y="5201310"/>
               <a:ext cx="1206825" cy="100949"/>
             </a:xfrm>
             <a:prstGeom prst="rect">
@@ -15299,7 +15269,7 @@
           </p:nvSpPr>
           <p:spPr>
             <a:xfrm>
-              <a:off x="6701535" y="5420766"/>
+              <a:off x="6052933" y="5420766"/>
               <a:ext cx="1576517" cy="100949"/>
             </a:xfrm>
             <a:prstGeom prst="rect">
